--- a/Capstone_Presentation.pptx
+++ b/Capstone_Presentation.pptx
@@ -5,10 +5,10 @@
     <p:sldMasterId id="2147483648" r:id="rId4"/>
   </p:sldMasterIdLst>
   <p:notesMasterIdLst>
-    <p:notesMasterId r:id="rId13"/>
+    <p:notesMasterId r:id="rId28"/>
   </p:notesMasterIdLst>
   <p:handoutMasterIdLst>
-    <p:handoutMasterId r:id="rId14"/>
+    <p:handoutMasterId r:id="rId29"/>
   </p:handoutMasterIdLst>
   <p:sldIdLst>
     <p:sldId id="314" r:id="rId5"/>
@@ -17,8 +17,23 @@
     <p:sldId id="334" r:id="rId8"/>
     <p:sldId id="335" r:id="rId9"/>
     <p:sldId id="337" r:id="rId10"/>
-    <p:sldId id="338" r:id="rId11"/>
-    <p:sldId id="331" r:id="rId12"/>
+    <p:sldId id="340" r:id="rId11"/>
+    <p:sldId id="339" r:id="rId12"/>
+    <p:sldId id="342" r:id="rId13"/>
+    <p:sldId id="343" r:id="rId14"/>
+    <p:sldId id="344" r:id="rId15"/>
+    <p:sldId id="345" r:id="rId16"/>
+    <p:sldId id="346" r:id="rId17"/>
+    <p:sldId id="347" r:id="rId18"/>
+    <p:sldId id="349" r:id="rId19"/>
+    <p:sldId id="352" r:id="rId20"/>
+    <p:sldId id="355" r:id="rId21"/>
+    <p:sldId id="354" r:id="rId22"/>
+    <p:sldId id="353" r:id="rId23"/>
+    <p:sldId id="356" r:id="rId24"/>
+    <p:sldId id="357" r:id="rId25"/>
+    <p:sldId id="358" r:id="rId26"/>
+    <p:sldId id="331" r:id="rId27"/>
   </p:sldIdLst>
   <p:sldSz cx="12192000" cy="6858000"/>
   <p:notesSz cx="6858000" cy="9144000"/>
@@ -250,7 +265,7 @@
           <a:p>
             <a:fld id="{31A62055-8DBD-6042-92AC-66DE479F90DE}" type="datetimeFigureOut">
               <a:rPr lang="en-US" smtClean="0"/>
-              <a:t>1/29/2024</a:t>
+              <a:t>2/19/2024</a:t>
             </a:fld>
             <a:endParaRPr lang="en-US" dirty="0"/>
           </a:p>
@@ -427,7 +442,7 @@
           <a:p>
             <a:fld id="{7FFEE50A-AB77-49BE-9076-23C4C8D08BB2}" type="datetimeFigureOut">
               <a:rPr lang="en-US" smtClean="0"/>
-              <a:t>1/29/2024</a:t>
+              <a:t>2/19/2024</a:t>
             </a:fld>
             <a:endParaRPr lang="en-US" dirty="0"/>
           </a:p>
@@ -8448,6 +8463,2890 @@
 </p:sld>
 </file>
 
+<file path=ppt/slides/slide10.xml><?xml version="1.0" encoding="utf-8"?>
+<p:sld xmlns:a="http://schemas.openxmlformats.org/drawingml/2006/main" xmlns:r="http://schemas.openxmlformats.org/officeDocument/2006/relationships" xmlns:p="http://schemas.openxmlformats.org/presentationml/2006/main">
+  <p:cSld>
+    <p:spTree>
+      <p:nvGrpSpPr>
+        <p:cNvPr id="1" name="">
+          <a:extLst>
+            <a:ext uri="{FF2B5EF4-FFF2-40B4-BE49-F238E27FC236}">
+              <a16:creationId xmlns:a16="http://schemas.microsoft.com/office/drawing/2014/main" id="{5657CF03-7077-4417-8631-2563D07568A8}"/>
+            </a:ext>
+          </a:extLst>
+        </p:cNvPr>
+        <p:cNvGrpSpPr/>
+        <p:nvPr/>
+      </p:nvGrpSpPr>
+      <p:grpSpPr>
+        <a:xfrm>
+          <a:off x="0" y="0"/>
+          <a:ext cx="0" cy="0"/>
+          <a:chOff x="0" y="0"/>
+          <a:chExt cx="0" cy="0"/>
+        </a:xfrm>
+      </p:grpSpPr>
+      <p:sp>
+        <p:nvSpPr>
+          <p:cNvPr id="2" name="Title 1">
+            <a:extLst>
+              <a:ext uri="{FF2B5EF4-FFF2-40B4-BE49-F238E27FC236}">
+                <a16:creationId xmlns:a16="http://schemas.microsoft.com/office/drawing/2014/main" id="{251CC41F-968D-E2E5-3E2A-BDAF8A72DD91}"/>
+              </a:ext>
+            </a:extLst>
+          </p:cNvPr>
+          <p:cNvSpPr>
+            <a:spLocks noGrp="1"/>
+          </p:cNvSpPr>
+          <p:nvPr>
+            <p:ph type="ctrTitle"/>
+          </p:nvPr>
+        </p:nvSpPr>
+        <p:spPr>
+          <a:xfrm>
+            <a:off x="706410" y="1304925"/>
+            <a:ext cx="8874306" cy="819150"/>
+          </a:xfrm>
+        </p:spPr>
+        <p:txBody>
+          <a:bodyPr/>
+          <a:lstStyle/>
+          <a:p>
+            <a:r>
+              <a:rPr lang="en-US" sz="4000" dirty="0"/>
+              <a:t>Capstone Presentation</a:t>
+            </a:r>
+            <a:br>
+              <a:rPr lang="en-US" sz="4000" dirty="0"/>
+            </a:br>
+            <a:r>
+              <a:rPr lang="en-US" sz="4000" dirty="0"/>
+              <a:t>Exploratory Data Analysis</a:t>
+            </a:r>
+            <a:br>
+              <a:rPr lang="en-US" sz="4000" dirty="0"/>
+            </a:br>
+            <a:endParaRPr lang="en-US" sz="4000" dirty="0"/>
+          </a:p>
+        </p:txBody>
+      </p:sp>
+      <p:sp>
+        <p:nvSpPr>
+          <p:cNvPr id="3" name="Subtitle 2">
+            <a:extLst>
+              <a:ext uri="{FF2B5EF4-FFF2-40B4-BE49-F238E27FC236}">
+                <a16:creationId xmlns:a16="http://schemas.microsoft.com/office/drawing/2014/main" id="{8C6F7B8C-838F-FCE0-E367-B9A1D7A26646}"/>
+              </a:ext>
+            </a:extLst>
+          </p:cNvPr>
+          <p:cNvSpPr>
+            <a:spLocks noGrp="1"/>
+          </p:cNvSpPr>
+          <p:nvPr>
+            <p:ph type="subTitle" idx="1"/>
+          </p:nvPr>
+        </p:nvSpPr>
+        <p:spPr>
+          <a:xfrm>
+            <a:off x="811185" y="1781175"/>
+            <a:ext cx="8874306" cy="4162425"/>
+          </a:xfrm>
+        </p:spPr>
+        <p:txBody>
+          <a:bodyPr/>
+          <a:lstStyle/>
+          <a:p>
+            <a:pPr marL="342900" indent="-342900">
+              <a:buFont typeface="Arial" panose="020B0604020202020204" pitchFamily="34" charset="0"/>
+              <a:buChar char="•"/>
+            </a:pPr>
+            <a:r>
+              <a:rPr lang="en-US" dirty="0">
+                <a:solidFill>
+                  <a:schemeClr val="bg1"/>
+                </a:solidFill>
+              </a:rPr>
+              <a:t>Graphed all of the features</a:t>
+            </a:r>
+          </a:p>
+        </p:txBody>
+      </p:sp>
+      <p:pic>
+        <p:nvPicPr>
+          <p:cNvPr id="5" name="Picture 4">
+            <a:extLst>
+              <a:ext uri="{FF2B5EF4-FFF2-40B4-BE49-F238E27FC236}">
+                <a16:creationId xmlns:a16="http://schemas.microsoft.com/office/drawing/2014/main" id="{2366E693-2AD5-37CE-A4B2-6274A42E1E14}"/>
+              </a:ext>
+            </a:extLst>
+          </p:cNvPr>
+          <p:cNvPicPr>
+            <a:picLocks noChangeAspect="1"/>
+          </p:cNvPicPr>
+          <p:nvPr/>
+        </p:nvPicPr>
+        <p:blipFill>
+          <a:blip r:embed="rId2"/>
+          <a:stretch>
+            <a:fillRect/>
+          </a:stretch>
+        </p:blipFill>
+        <p:spPr>
+          <a:xfrm>
+            <a:off x="2408993" y="2124074"/>
+            <a:ext cx="6144457" cy="4733925"/>
+          </a:xfrm>
+          <a:prstGeom prst="rect">
+            <a:avLst/>
+          </a:prstGeom>
+        </p:spPr>
+      </p:pic>
+    </p:spTree>
+    <p:extLst>
+      <p:ext uri="{BB962C8B-B14F-4D97-AF65-F5344CB8AC3E}">
+        <p14:creationId xmlns:p14="http://schemas.microsoft.com/office/powerpoint/2010/main" val="260366439"/>
+      </p:ext>
+    </p:extLst>
+  </p:cSld>
+  <p:clrMapOvr>
+    <a:masterClrMapping/>
+  </p:clrMapOvr>
+</p:sld>
+</file>
+
+<file path=ppt/slides/slide11.xml><?xml version="1.0" encoding="utf-8"?>
+<p:sld xmlns:a="http://schemas.openxmlformats.org/drawingml/2006/main" xmlns:r="http://schemas.openxmlformats.org/officeDocument/2006/relationships" xmlns:p="http://schemas.openxmlformats.org/presentationml/2006/main">
+  <p:cSld>
+    <p:spTree>
+      <p:nvGrpSpPr>
+        <p:cNvPr id="1" name="">
+          <a:extLst>
+            <a:ext uri="{FF2B5EF4-FFF2-40B4-BE49-F238E27FC236}">
+              <a16:creationId xmlns:a16="http://schemas.microsoft.com/office/drawing/2014/main" id="{610793CC-C095-1683-D2B3-0657F99D1C93}"/>
+            </a:ext>
+          </a:extLst>
+        </p:cNvPr>
+        <p:cNvGrpSpPr/>
+        <p:nvPr/>
+      </p:nvGrpSpPr>
+      <p:grpSpPr>
+        <a:xfrm>
+          <a:off x="0" y="0"/>
+          <a:ext cx="0" cy="0"/>
+          <a:chOff x="0" y="0"/>
+          <a:chExt cx="0" cy="0"/>
+        </a:xfrm>
+      </p:grpSpPr>
+      <p:sp>
+        <p:nvSpPr>
+          <p:cNvPr id="2" name="Title 1">
+            <a:extLst>
+              <a:ext uri="{FF2B5EF4-FFF2-40B4-BE49-F238E27FC236}">
+                <a16:creationId xmlns:a16="http://schemas.microsoft.com/office/drawing/2014/main" id="{EE69C980-055B-3F64-F044-5C17E7567329}"/>
+              </a:ext>
+            </a:extLst>
+          </p:cNvPr>
+          <p:cNvSpPr>
+            <a:spLocks noGrp="1"/>
+          </p:cNvSpPr>
+          <p:nvPr>
+            <p:ph type="ctrTitle"/>
+          </p:nvPr>
+        </p:nvSpPr>
+        <p:spPr>
+          <a:xfrm>
+            <a:off x="706410" y="1304925"/>
+            <a:ext cx="8874306" cy="819150"/>
+          </a:xfrm>
+        </p:spPr>
+        <p:txBody>
+          <a:bodyPr/>
+          <a:lstStyle/>
+          <a:p>
+            <a:r>
+              <a:rPr lang="en-US" sz="4000" dirty="0"/>
+              <a:t>Capstone Presentation</a:t>
+            </a:r>
+            <a:br>
+              <a:rPr lang="en-US" sz="4000" dirty="0"/>
+            </a:br>
+            <a:r>
+              <a:rPr lang="en-US" sz="3600" dirty="0"/>
+              <a:t>Pre-processing &amp; Training Data Development</a:t>
+            </a:r>
+            <a:br>
+              <a:rPr lang="en-US" sz="4000" dirty="0"/>
+            </a:br>
+            <a:endParaRPr lang="en-US" sz="4000" dirty="0"/>
+          </a:p>
+        </p:txBody>
+      </p:sp>
+      <p:sp>
+        <p:nvSpPr>
+          <p:cNvPr id="3" name="Subtitle 2">
+            <a:extLst>
+              <a:ext uri="{FF2B5EF4-FFF2-40B4-BE49-F238E27FC236}">
+                <a16:creationId xmlns:a16="http://schemas.microsoft.com/office/drawing/2014/main" id="{99289CFE-AD68-0407-B0C6-D4B6090FB846}"/>
+              </a:ext>
+            </a:extLst>
+          </p:cNvPr>
+          <p:cNvSpPr>
+            <a:spLocks noGrp="1"/>
+          </p:cNvSpPr>
+          <p:nvPr>
+            <p:ph type="subTitle" idx="1"/>
+          </p:nvPr>
+        </p:nvSpPr>
+        <p:spPr>
+          <a:xfrm>
+            <a:off x="811185" y="2124075"/>
+            <a:ext cx="8874306" cy="3819525"/>
+          </a:xfrm>
+        </p:spPr>
+        <p:txBody>
+          <a:bodyPr/>
+          <a:lstStyle/>
+          <a:p>
+            <a:pPr marL="342900" indent="-342900">
+              <a:buFont typeface="Arial" panose="020B0604020202020204" pitchFamily="34" charset="0"/>
+              <a:buChar char="•"/>
+            </a:pPr>
+            <a:r>
+              <a:rPr lang="en-US" dirty="0">
+                <a:solidFill>
+                  <a:schemeClr val="bg1"/>
+                </a:solidFill>
+              </a:rPr>
+              <a:t>Created 2 new features</a:t>
+            </a:r>
+          </a:p>
+          <a:p>
+            <a:pPr marL="342900" indent="-342900">
+              <a:buFont typeface="Arial" panose="020B0604020202020204" pitchFamily="34" charset="0"/>
+              <a:buChar char="•"/>
+            </a:pPr>
+            <a:r>
+              <a:rPr lang="en-US" sz="1400" dirty="0" err="1">
+                <a:solidFill>
+                  <a:schemeClr val="bg1">
+                    <a:lumMod val="85000"/>
+                  </a:schemeClr>
+                </a:solidFill>
+                <a:latin typeface="+mj-lt"/>
+              </a:rPr>
+              <a:t>merged_df</a:t>
+            </a:r>
+            <a:r>
+              <a:rPr lang="en-US" sz="1400" dirty="0">
+                <a:solidFill>
+                  <a:schemeClr val="bg1">
+                    <a:lumMod val="85000"/>
+                  </a:schemeClr>
+                </a:solidFill>
+                <a:latin typeface="+mj-lt"/>
+              </a:rPr>
+              <a:t>['</a:t>
+            </a:r>
+            <a:r>
+              <a:rPr lang="en-US" sz="1400" dirty="0" err="1">
+                <a:solidFill>
+                  <a:schemeClr val="bg1">
+                    <a:lumMod val="85000"/>
+                  </a:schemeClr>
+                </a:solidFill>
+                <a:latin typeface="+mj-lt"/>
+              </a:rPr>
+              <a:t>mrna_booster</a:t>
+            </a:r>
+            <a:r>
+              <a:rPr lang="en-US" sz="1400" dirty="0">
+                <a:solidFill>
+                  <a:schemeClr val="bg1">
+                    <a:lumMod val="85000"/>
+                  </a:schemeClr>
+                </a:solidFill>
+                <a:latin typeface="+mj-lt"/>
+              </a:rPr>
+              <a:t>'] = </a:t>
+            </a:r>
+            <a:r>
+              <a:rPr lang="en-US" sz="1400" dirty="0" err="1">
+                <a:solidFill>
+                  <a:schemeClr val="bg1">
+                    <a:lumMod val="85000"/>
+                  </a:schemeClr>
+                </a:solidFill>
+                <a:latin typeface="+mj-lt"/>
+              </a:rPr>
+              <a:t>np.random.choice</a:t>
+            </a:r>
+            <a:r>
+              <a:rPr lang="en-US" sz="1400" dirty="0">
+                <a:solidFill>
+                  <a:schemeClr val="bg1">
+                    <a:lumMod val="85000"/>
+                  </a:schemeClr>
+                </a:solidFill>
+                <a:latin typeface="+mj-lt"/>
+              </a:rPr>
+              <a:t>([1, 0], size=</a:t>
+            </a:r>
+            <a:r>
+              <a:rPr lang="en-US" sz="1400" dirty="0" err="1">
+                <a:solidFill>
+                  <a:schemeClr val="bg1">
+                    <a:lumMod val="85000"/>
+                  </a:schemeClr>
+                </a:solidFill>
+                <a:latin typeface="+mj-lt"/>
+              </a:rPr>
+              <a:t>len</a:t>
+            </a:r>
+            <a:r>
+              <a:rPr lang="en-US" sz="1400" dirty="0">
+                <a:solidFill>
+                  <a:schemeClr val="bg1">
+                    <a:lumMod val="85000"/>
+                  </a:schemeClr>
+                </a:solidFill>
+                <a:latin typeface="+mj-lt"/>
+              </a:rPr>
+              <a:t>(</a:t>
+            </a:r>
+            <a:r>
+              <a:rPr lang="en-US" sz="1400" dirty="0" err="1">
+                <a:solidFill>
+                  <a:schemeClr val="bg1">
+                    <a:lumMod val="85000"/>
+                  </a:schemeClr>
+                </a:solidFill>
+                <a:latin typeface="+mj-lt"/>
+              </a:rPr>
+              <a:t>merged_df</a:t>
+            </a:r>
+            <a:r>
+              <a:rPr lang="en-US" sz="1400" dirty="0">
+                <a:solidFill>
+                  <a:schemeClr val="bg1">
+                    <a:lumMod val="85000"/>
+                  </a:schemeClr>
+                </a:solidFill>
+                <a:latin typeface="+mj-lt"/>
+              </a:rPr>
+              <a:t>), p=[0.17, 0.83])</a:t>
+            </a:r>
+          </a:p>
+          <a:p>
+            <a:pPr marL="342900" indent="-342900">
+              <a:buFont typeface="Arial" panose="020B0604020202020204" pitchFamily="34" charset="0"/>
+              <a:buChar char="•"/>
+            </a:pPr>
+            <a:r>
+              <a:rPr lang="en-US" sz="1400" dirty="0" err="1">
+                <a:solidFill>
+                  <a:schemeClr val="bg1">
+                    <a:lumMod val="85000"/>
+                  </a:schemeClr>
+                </a:solidFill>
+                <a:latin typeface="+mj-lt"/>
+              </a:rPr>
+              <a:t>merged_df</a:t>
+            </a:r>
+            <a:r>
+              <a:rPr lang="en-US" sz="1400" dirty="0">
+                <a:solidFill>
+                  <a:schemeClr val="bg1">
+                    <a:lumMod val="85000"/>
+                  </a:schemeClr>
+                </a:solidFill>
+                <a:latin typeface="+mj-lt"/>
+              </a:rPr>
+              <a:t>['</a:t>
+            </a:r>
+            <a:r>
+              <a:rPr lang="en-US" sz="1400" dirty="0" err="1">
+                <a:solidFill>
+                  <a:schemeClr val="bg1">
+                    <a:lumMod val="85000"/>
+                  </a:schemeClr>
+                </a:solidFill>
+                <a:latin typeface="+mj-lt"/>
+              </a:rPr>
+              <a:t>prior_covid</a:t>
+            </a:r>
+            <a:r>
+              <a:rPr lang="en-US" sz="1400" dirty="0">
+                <a:solidFill>
+                  <a:schemeClr val="bg1">
+                    <a:lumMod val="85000"/>
+                  </a:schemeClr>
+                </a:solidFill>
+                <a:latin typeface="+mj-lt"/>
+              </a:rPr>
+              <a:t>'] = </a:t>
+            </a:r>
+            <a:r>
+              <a:rPr lang="en-US" sz="1400" dirty="0" err="1">
+                <a:solidFill>
+                  <a:schemeClr val="bg1">
+                    <a:lumMod val="85000"/>
+                  </a:schemeClr>
+                </a:solidFill>
+                <a:latin typeface="+mj-lt"/>
+              </a:rPr>
+              <a:t>np.random.choice</a:t>
+            </a:r>
+            <a:r>
+              <a:rPr lang="en-US" sz="1400" dirty="0">
+                <a:solidFill>
+                  <a:schemeClr val="bg1">
+                    <a:lumMod val="85000"/>
+                  </a:schemeClr>
+                </a:solidFill>
+                <a:latin typeface="+mj-lt"/>
+              </a:rPr>
+              <a:t>([1, 0], size=</a:t>
+            </a:r>
+            <a:r>
+              <a:rPr lang="en-US" sz="1400" dirty="0" err="1">
+                <a:solidFill>
+                  <a:schemeClr val="bg1">
+                    <a:lumMod val="85000"/>
+                  </a:schemeClr>
+                </a:solidFill>
+                <a:latin typeface="+mj-lt"/>
+              </a:rPr>
+              <a:t>len</a:t>
+            </a:r>
+            <a:r>
+              <a:rPr lang="en-US" sz="1400" dirty="0">
+                <a:solidFill>
+                  <a:schemeClr val="bg1">
+                    <a:lumMod val="85000"/>
+                  </a:schemeClr>
+                </a:solidFill>
+                <a:latin typeface="+mj-lt"/>
+              </a:rPr>
+              <a:t>(</a:t>
+            </a:r>
+            <a:r>
+              <a:rPr lang="en-US" sz="1400" dirty="0" err="1">
+                <a:solidFill>
+                  <a:schemeClr val="bg1">
+                    <a:lumMod val="85000"/>
+                  </a:schemeClr>
+                </a:solidFill>
+                <a:latin typeface="+mj-lt"/>
+              </a:rPr>
+              <a:t>merged_df</a:t>
+            </a:r>
+            <a:r>
+              <a:rPr lang="en-US" sz="1400" dirty="0">
+                <a:solidFill>
+                  <a:schemeClr val="bg1">
+                    <a:lumMod val="85000"/>
+                  </a:schemeClr>
+                </a:solidFill>
+                <a:latin typeface="+mj-lt"/>
+              </a:rPr>
+              <a:t>), p=[0.71, 0.29])</a:t>
+            </a:r>
+          </a:p>
+          <a:p>
+            <a:r>
+              <a:rPr lang="en-US" sz="1400" dirty="0">
+                <a:solidFill>
+                  <a:schemeClr val="bg1">
+                    <a:lumMod val="85000"/>
+                  </a:schemeClr>
+                </a:solidFill>
+              </a:rPr>
+              <a:t>     </a:t>
+            </a:r>
+          </a:p>
+          <a:p>
+            <a:r>
+              <a:rPr lang="en-US" sz="1400" dirty="0">
+                <a:solidFill>
+                  <a:schemeClr val="bg1">
+                    <a:lumMod val="85000"/>
+                  </a:schemeClr>
+                </a:solidFill>
+              </a:rPr>
+              <a:t>      from </a:t>
+            </a:r>
+            <a:r>
+              <a:rPr lang="en-US" sz="1400" dirty="0" err="1">
+                <a:solidFill>
+                  <a:schemeClr val="bg1">
+                    <a:lumMod val="85000"/>
+                  </a:schemeClr>
+                </a:solidFill>
+              </a:rPr>
+              <a:t>sklearn.model_selection</a:t>
+            </a:r>
+            <a:r>
+              <a:rPr lang="en-US" sz="1400" dirty="0">
+                <a:solidFill>
+                  <a:schemeClr val="bg1">
+                    <a:lumMod val="85000"/>
+                  </a:schemeClr>
+                </a:solidFill>
+              </a:rPr>
+              <a:t> import </a:t>
+            </a:r>
+            <a:r>
+              <a:rPr lang="en-US" sz="1400" dirty="0" err="1">
+                <a:solidFill>
+                  <a:schemeClr val="bg1">
+                    <a:lumMod val="85000"/>
+                  </a:schemeClr>
+                </a:solidFill>
+              </a:rPr>
+              <a:t>train_test_split</a:t>
+            </a:r>
+            <a:endParaRPr lang="en-US" sz="1400" dirty="0">
+              <a:solidFill>
+                <a:schemeClr val="bg1">
+                  <a:lumMod val="85000"/>
+                </a:schemeClr>
+              </a:solidFill>
+            </a:endParaRPr>
+          </a:p>
+          <a:p>
+            <a:pPr marL="342900" indent="-342900">
+              <a:buFont typeface="Arial" panose="020B0604020202020204" pitchFamily="34" charset="0"/>
+              <a:buChar char="•"/>
+            </a:pPr>
+            <a:r>
+              <a:rPr lang="en-US" sz="1400" dirty="0">
+                <a:solidFill>
+                  <a:schemeClr val="bg1">
+                    <a:lumMod val="85000"/>
+                  </a:schemeClr>
+                </a:solidFill>
+              </a:rPr>
+              <a:t># Define the target variable and features</a:t>
+            </a:r>
+          </a:p>
+          <a:p>
+            <a:pPr marL="342900" indent="-342900">
+              <a:buFont typeface="Arial" panose="020B0604020202020204" pitchFamily="34" charset="0"/>
+              <a:buChar char="•"/>
+            </a:pPr>
+            <a:r>
+              <a:rPr lang="en-US" sz="1400" dirty="0">
+                <a:solidFill>
+                  <a:schemeClr val="bg1">
+                    <a:lumMod val="85000"/>
+                  </a:schemeClr>
+                </a:solidFill>
+              </a:rPr>
+              <a:t>X = </a:t>
+            </a:r>
+            <a:r>
+              <a:rPr lang="en-US" sz="1400" dirty="0" err="1">
+                <a:solidFill>
+                  <a:schemeClr val="bg1">
+                    <a:lumMod val="85000"/>
+                  </a:schemeClr>
+                </a:solidFill>
+              </a:rPr>
+              <a:t>merged_df.drop</a:t>
+            </a:r>
+            <a:r>
+              <a:rPr lang="en-US" sz="1400" dirty="0">
+                <a:solidFill>
+                  <a:schemeClr val="bg1">
+                    <a:lumMod val="85000"/>
+                  </a:schemeClr>
+                </a:solidFill>
+              </a:rPr>
+              <a:t>("</a:t>
+            </a:r>
+            <a:r>
+              <a:rPr lang="en-US" sz="1400" dirty="0" err="1">
+                <a:solidFill>
+                  <a:schemeClr val="bg1">
+                    <a:lumMod val="85000"/>
+                  </a:schemeClr>
+                </a:solidFill>
+              </a:rPr>
+              <a:t>Diabetes_binary</a:t>
+            </a:r>
+            <a:r>
+              <a:rPr lang="en-US" sz="1400" dirty="0">
+                <a:solidFill>
+                  <a:schemeClr val="bg1">
+                    <a:lumMod val="85000"/>
+                  </a:schemeClr>
+                </a:solidFill>
+              </a:rPr>
+              <a:t>", axis=1)  # Features - all columns except </a:t>
+            </a:r>
+            <a:r>
+              <a:rPr lang="en-US" sz="1400" dirty="0" err="1">
+                <a:solidFill>
+                  <a:schemeClr val="bg1">
+                    <a:lumMod val="85000"/>
+                  </a:schemeClr>
+                </a:solidFill>
+              </a:rPr>
+              <a:t>Diabetes_binary</a:t>
+            </a:r>
+            <a:endParaRPr lang="en-US" sz="1400" dirty="0">
+              <a:solidFill>
+                <a:schemeClr val="bg1">
+                  <a:lumMod val="85000"/>
+                </a:schemeClr>
+              </a:solidFill>
+            </a:endParaRPr>
+          </a:p>
+          <a:p>
+            <a:pPr marL="342900" indent="-342900">
+              <a:buFont typeface="Arial" panose="020B0604020202020204" pitchFamily="34" charset="0"/>
+              <a:buChar char="•"/>
+            </a:pPr>
+            <a:r>
+              <a:rPr lang="en-US" sz="1400" dirty="0">
+                <a:solidFill>
+                  <a:schemeClr val="bg1">
+                    <a:lumMod val="85000"/>
+                  </a:schemeClr>
+                </a:solidFill>
+              </a:rPr>
+              <a:t>y = </a:t>
+            </a:r>
+            <a:r>
+              <a:rPr lang="en-US" sz="1400" dirty="0" err="1">
+                <a:solidFill>
+                  <a:schemeClr val="bg1">
+                    <a:lumMod val="85000"/>
+                  </a:schemeClr>
+                </a:solidFill>
+              </a:rPr>
+              <a:t>merged_df</a:t>
+            </a:r>
+            <a:r>
+              <a:rPr lang="en-US" sz="1400" dirty="0">
+                <a:solidFill>
+                  <a:schemeClr val="bg1">
+                    <a:lumMod val="85000"/>
+                  </a:schemeClr>
+                </a:solidFill>
+              </a:rPr>
+              <a:t>["</a:t>
+            </a:r>
+            <a:r>
+              <a:rPr lang="en-US" sz="1400" dirty="0" err="1">
+                <a:solidFill>
+                  <a:schemeClr val="bg1">
+                    <a:lumMod val="85000"/>
+                  </a:schemeClr>
+                </a:solidFill>
+              </a:rPr>
+              <a:t>Diabetes_binary</a:t>
+            </a:r>
+            <a:r>
+              <a:rPr lang="en-US" sz="1400" dirty="0">
+                <a:solidFill>
+                  <a:schemeClr val="bg1">
+                    <a:lumMod val="85000"/>
+                  </a:schemeClr>
+                </a:solidFill>
+              </a:rPr>
+              <a:t>"]  # </a:t>
+            </a:r>
+            <a:r>
+              <a:rPr lang="en-US" sz="1400" dirty="0" err="1">
+                <a:solidFill>
+                  <a:schemeClr val="bg1">
+                    <a:lumMod val="85000"/>
+                  </a:schemeClr>
+                </a:solidFill>
+              </a:rPr>
+              <a:t>Diabetes_binary</a:t>
+            </a:r>
+            <a:r>
+              <a:rPr lang="en-US" sz="1400" dirty="0">
+                <a:solidFill>
+                  <a:schemeClr val="bg1">
+                    <a:lumMod val="85000"/>
+                  </a:schemeClr>
+                </a:solidFill>
+              </a:rPr>
+              <a:t> is the target variable</a:t>
+            </a:r>
+          </a:p>
+          <a:p>
+            <a:pPr marL="342900" indent="-342900">
+              <a:buFont typeface="Arial" panose="020B0604020202020204" pitchFamily="34" charset="0"/>
+              <a:buChar char="•"/>
+            </a:pPr>
+            <a:r>
+              <a:rPr lang="en-US" sz="1400" dirty="0">
+                <a:solidFill>
+                  <a:schemeClr val="bg1">
+                    <a:lumMod val="85000"/>
+                  </a:schemeClr>
+                </a:solidFill>
+              </a:rPr>
+              <a:t># Split the data into training and testing sets </a:t>
+            </a:r>
+          </a:p>
+          <a:p>
+            <a:pPr marL="342900" indent="-342900">
+              <a:buFont typeface="Arial" panose="020B0604020202020204" pitchFamily="34" charset="0"/>
+              <a:buChar char="•"/>
+            </a:pPr>
+            <a:r>
+              <a:rPr lang="en-US" sz="1400" dirty="0" err="1">
+                <a:solidFill>
+                  <a:schemeClr val="bg1">
+                    <a:lumMod val="85000"/>
+                  </a:schemeClr>
+                </a:solidFill>
+              </a:rPr>
+              <a:t>X_train</a:t>
+            </a:r>
+            <a:r>
+              <a:rPr lang="en-US" sz="1400" dirty="0">
+                <a:solidFill>
+                  <a:schemeClr val="bg1">
+                    <a:lumMod val="85000"/>
+                  </a:schemeClr>
+                </a:solidFill>
+              </a:rPr>
+              <a:t>, </a:t>
+            </a:r>
+            <a:r>
+              <a:rPr lang="en-US" sz="1400" dirty="0" err="1">
+                <a:solidFill>
+                  <a:schemeClr val="bg1">
+                    <a:lumMod val="85000"/>
+                  </a:schemeClr>
+                </a:solidFill>
+              </a:rPr>
+              <a:t>X_test</a:t>
+            </a:r>
+            <a:r>
+              <a:rPr lang="en-US" sz="1400" dirty="0">
+                <a:solidFill>
+                  <a:schemeClr val="bg1">
+                    <a:lumMod val="85000"/>
+                  </a:schemeClr>
+                </a:solidFill>
+              </a:rPr>
+              <a:t>, </a:t>
+            </a:r>
+            <a:r>
+              <a:rPr lang="en-US" sz="1400" dirty="0" err="1">
+                <a:solidFill>
+                  <a:schemeClr val="bg1">
+                    <a:lumMod val="85000"/>
+                  </a:schemeClr>
+                </a:solidFill>
+              </a:rPr>
+              <a:t>y_train</a:t>
+            </a:r>
+            <a:r>
+              <a:rPr lang="en-US" sz="1400" dirty="0">
+                <a:solidFill>
+                  <a:schemeClr val="bg1">
+                    <a:lumMod val="85000"/>
+                  </a:schemeClr>
+                </a:solidFill>
+              </a:rPr>
+              <a:t>, </a:t>
+            </a:r>
+            <a:r>
+              <a:rPr lang="en-US" sz="1400" dirty="0" err="1">
+                <a:solidFill>
+                  <a:schemeClr val="bg1">
+                    <a:lumMod val="85000"/>
+                  </a:schemeClr>
+                </a:solidFill>
+              </a:rPr>
+              <a:t>y_test</a:t>
+            </a:r>
+            <a:r>
+              <a:rPr lang="en-US" sz="1400" dirty="0">
+                <a:solidFill>
+                  <a:schemeClr val="bg1">
+                    <a:lumMod val="85000"/>
+                  </a:schemeClr>
+                </a:solidFill>
+              </a:rPr>
+              <a:t> = </a:t>
+            </a:r>
+            <a:r>
+              <a:rPr lang="en-US" sz="1400" dirty="0" err="1">
+                <a:solidFill>
+                  <a:schemeClr val="bg1">
+                    <a:lumMod val="85000"/>
+                  </a:schemeClr>
+                </a:solidFill>
+              </a:rPr>
+              <a:t>train_test_split</a:t>
+            </a:r>
+            <a:r>
+              <a:rPr lang="en-US" sz="1400" dirty="0">
+                <a:solidFill>
+                  <a:schemeClr val="bg1">
+                    <a:lumMod val="85000"/>
+                  </a:schemeClr>
+                </a:solidFill>
+              </a:rPr>
+              <a:t>(X, y, </a:t>
+            </a:r>
+            <a:r>
+              <a:rPr lang="en-US" sz="1400" dirty="0" err="1">
+                <a:solidFill>
+                  <a:schemeClr val="bg1">
+                    <a:lumMod val="85000"/>
+                  </a:schemeClr>
+                </a:solidFill>
+              </a:rPr>
+              <a:t>test_size</a:t>
+            </a:r>
+            <a:r>
+              <a:rPr lang="en-US" sz="1400" dirty="0">
+                <a:solidFill>
+                  <a:schemeClr val="bg1">
+                    <a:lumMod val="85000"/>
+                  </a:schemeClr>
+                </a:solidFill>
+              </a:rPr>
+              <a:t>=0.2, </a:t>
+            </a:r>
+            <a:r>
+              <a:rPr lang="en-US" sz="1400" dirty="0" err="1">
+                <a:solidFill>
+                  <a:schemeClr val="bg1">
+                    <a:lumMod val="85000"/>
+                  </a:schemeClr>
+                </a:solidFill>
+              </a:rPr>
+              <a:t>random_state</a:t>
+            </a:r>
+            <a:r>
+              <a:rPr lang="en-US" sz="1400" dirty="0">
+                <a:solidFill>
+                  <a:schemeClr val="bg1">
+                    <a:lumMod val="85000"/>
+                  </a:schemeClr>
+                </a:solidFill>
+              </a:rPr>
+              <a:t>=47)</a:t>
+            </a:r>
+          </a:p>
+        </p:txBody>
+      </p:sp>
+    </p:spTree>
+    <p:extLst>
+      <p:ext uri="{BB962C8B-B14F-4D97-AF65-F5344CB8AC3E}">
+        <p14:creationId xmlns:p14="http://schemas.microsoft.com/office/powerpoint/2010/main" val="150480078"/>
+      </p:ext>
+    </p:extLst>
+  </p:cSld>
+  <p:clrMapOvr>
+    <a:masterClrMapping/>
+  </p:clrMapOvr>
+</p:sld>
+</file>
+
+<file path=ppt/slides/slide12.xml><?xml version="1.0" encoding="utf-8"?>
+<p:sld xmlns:a="http://schemas.openxmlformats.org/drawingml/2006/main" xmlns:r="http://schemas.openxmlformats.org/officeDocument/2006/relationships" xmlns:p="http://schemas.openxmlformats.org/presentationml/2006/main">
+  <p:cSld>
+    <p:spTree>
+      <p:nvGrpSpPr>
+        <p:cNvPr id="1" name="">
+          <a:extLst>
+            <a:ext uri="{FF2B5EF4-FFF2-40B4-BE49-F238E27FC236}">
+              <a16:creationId xmlns:a16="http://schemas.microsoft.com/office/drawing/2014/main" id="{1C4E5E91-D267-E3AD-A2D0-71C88B1DD7E1}"/>
+            </a:ext>
+          </a:extLst>
+        </p:cNvPr>
+        <p:cNvGrpSpPr/>
+        <p:nvPr/>
+      </p:nvGrpSpPr>
+      <p:grpSpPr>
+        <a:xfrm>
+          <a:off x="0" y="0"/>
+          <a:ext cx="0" cy="0"/>
+          <a:chOff x="0" y="0"/>
+          <a:chExt cx="0" cy="0"/>
+        </a:xfrm>
+      </p:grpSpPr>
+      <p:sp>
+        <p:nvSpPr>
+          <p:cNvPr id="2" name="Title 1">
+            <a:extLst>
+              <a:ext uri="{FF2B5EF4-FFF2-40B4-BE49-F238E27FC236}">
+                <a16:creationId xmlns:a16="http://schemas.microsoft.com/office/drawing/2014/main" id="{81C9690F-DFF3-9967-0ECA-F7D5249B7B2A}"/>
+              </a:ext>
+            </a:extLst>
+          </p:cNvPr>
+          <p:cNvSpPr>
+            <a:spLocks noGrp="1"/>
+          </p:cNvSpPr>
+          <p:nvPr>
+            <p:ph type="ctrTitle"/>
+          </p:nvPr>
+        </p:nvSpPr>
+        <p:spPr>
+          <a:xfrm>
+            <a:off x="706410" y="1304925"/>
+            <a:ext cx="8874306" cy="819150"/>
+          </a:xfrm>
+        </p:spPr>
+        <p:txBody>
+          <a:bodyPr/>
+          <a:lstStyle/>
+          <a:p>
+            <a:r>
+              <a:rPr lang="en-US" sz="4000" dirty="0"/>
+              <a:t>Capstone Presentation</a:t>
+            </a:r>
+            <a:br>
+              <a:rPr lang="en-US" sz="4000" dirty="0"/>
+            </a:br>
+            <a:r>
+              <a:rPr lang="en-US" sz="3600" dirty="0"/>
+              <a:t>Modeling</a:t>
+            </a:r>
+            <a:br>
+              <a:rPr lang="en-US" sz="4000" dirty="0"/>
+            </a:br>
+            <a:endParaRPr lang="en-US" sz="4000" dirty="0"/>
+          </a:p>
+        </p:txBody>
+      </p:sp>
+      <p:sp>
+        <p:nvSpPr>
+          <p:cNvPr id="3" name="Subtitle 2">
+            <a:extLst>
+              <a:ext uri="{FF2B5EF4-FFF2-40B4-BE49-F238E27FC236}">
+                <a16:creationId xmlns:a16="http://schemas.microsoft.com/office/drawing/2014/main" id="{5EFAFEAE-1CB4-9366-A74C-50C417CBDDF5}"/>
+              </a:ext>
+            </a:extLst>
+          </p:cNvPr>
+          <p:cNvSpPr>
+            <a:spLocks noGrp="1"/>
+          </p:cNvSpPr>
+          <p:nvPr>
+            <p:ph type="subTitle" idx="1"/>
+          </p:nvPr>
+        </p:nvSpPr>
+        <p:spPr>
+          <a:xfrm>
+            <a:off x="811185" y="2124075"/>
+            <a:ext cx="8874306" cy="3819525"/>
+          </a:xfrm>
+        </p:spPr>
+        <p:txBody>
+          <a:bodyPr/>
+          <a:lstStyle/>
+          <a:p>
+            <a:pPr marL="342900" indent="-342900">
+              <a:buFont typeface="Arial" panose="020B0604020202020204" pitchFamily="34" charset="0"/>
+              <a:buChar char="•"/>
+            </a:pPr>
+            <a:endParaRPr lang="en-US" sz="1400" dirty="0">
+              <a:solidFill>
+                <a:schemeClr val="bg1">
+                  <a:lumMod val="85000"/>
+                </a:schemeClr>
+              </a:solidFill>
+            </a:endParaRPr>
+          </a:p>
+        </p:txBody>
+      </p:sp>
+      <p:pic>
+        <p:nvPicPr>
+          <p:cNvPr id="5" name="Picture 4">
+            <a:extLst>
+              <a:ext uri="{FF2B5EF4-FFF2-40B4-BE49-F238E27FC236}">
+                <a16:creationId xmlns:a16="http://schemas.microsoft.com/office/drawing/2014/main" id="{61485952-7016-C033-BEAC-9E1F69D852FE}"/>
+              </a:ext>
+            </a:extLst>
+          </p:cNvPr>
+          <p:cNvPicPr>
+            <a:picLocks noChangeAspect="1"/>
+          </p:cNvPicPr>
+          <p:nvPr/>
+        </p:nvPicPr>
+        <p:blipFill>
+          <a:blip r:embed="rId2"/>
+          <a:stretch>
+            <a:fillRect/>
+          </a:stretch>
+        </p:blipFill>
+        <p:spPr>
+          <a:xfrm>
+            <a:off x="1967395" y="1590996"/>
+            <a:ext cx="6714286" cy="5142857"/>
+          </a:xfrm>
+          <a:prstGeom prst="rect">
+            <a:avLst/>
+          </a:prstGeom>
+        </p:spPr>
+      </p:pic>
+    </p:spTree>
+    <p:extLst>
+      <p:ext uri="{BB962C8B-B14F-4D97-AF65-F5344CB8AC3E}">
+        <p14:creationId xmlns:p14="http://schemas.microsoft.com/office/powerpoint/2010/main" val="3533717987"/>
+      </p:ext>
+    </p:extLst>
+  </p:cSld>
+  <p:clrMapOvr>
+    <a:masterClrMapping/>
+  </p:clrMapOvr>
+</p:sld>
+</file>
+
+<file path=ppt/slides/slide13.xml><?xml version="1.0" encoding="utf-8"?>
+<p:sld xmlns:a="http://schemas.openxmlformats.org/drawingml/2006/main" xmlns:r="http://schemas.openxmlformats.org/officeDocument/2006/relationships" xmlns:p="http://schemas.openxmlformats.org/presentationml/2006/main">
+  <p:cSld>
+    <p:spTree>
+      <p:nvGrpSpPr>
+        <p:cNvPr id="1" name="">
+          <a:extLst>
+            <a:ext uri="{FF2B5EF4-FFF2-40B4-BE49-F238E27FC236}">
+              <a16:creationId xmlns:a16="http://schemas.microsoft.com/office/drawing/2014/main" id="{E3076A95-D0EE-AB25-76AF-44B046114288}"/>
+            </a:ext>
+          </a:extLst>
+        </p:cNvPr>
+        <p:cNvGrpSpPr/>
+        <p:nvPr/>
+      </p:nvGrpSpPr>
+      <p:grpSpPr>
+        <a:xfrm>
+          <a:off x="0" y="0"/>
+          <a:ext cx="0" cy="0"/>
+          <a:chOff x="0" y="0"/>
+          <a:chExt cx="0" cy="0"/>
+        </a:xfrm>
+      </p:grpSpPr>
+      <p:sp>
+        <p:nvSpPr>
+          <p:cNvPr id="2" name="Title 1">
+            <a:extLst>
+              <a:ext uri="{FF2B5EF4-FFF2-40B4-BE49-F238E27FC236}">
+                <a16:creationId xmlns:a16="http://schemas.microsoft.com/office/drawing/2014/main" id="{B3726D8B-379B-1320-9403-2A761A82346B}"/>
+              </a:ext>
+            </a:extLst>
+          </p:cNvPr>
+          <p:cNvSpPr>
+            <a:spLocks noGrp="1"/>
+          </p:cNvSpPr>
+          <p:nvPr>
+            <p:ph type="ctrTitle"/>
+          </p:nvPr>
+        </p:nvSpPr>
+        <p:spPr>
+          <a:xfrm>
+            <a:off x="706410" y="1304925"/>
+            <a:ext cx="8874306" cy="819150"/>
+          </a:xfrm>
+        </p:spPr>
+        <p:txBody>
+          <a:bodyPr/>
+          <a:lstStyle/>
+          <a:p>
+            <a:r>
+              <a:rPr lang="en-US" sz="4000" dirty="0"/>
+              <a:t>Capstone Presentation</a:t>
+            </a:r>
+            <a:br>
+              <a:rPr lang="en-US" sz="4000" dirty="0"/>
+            </a:br>
+            <a:r>
+              <a:rPr lang="en-US" sz="3600" dirty="0"/>
+              <a:t>Modeling</a:t>
+            </a:r>
+            <a:br>
+              <a:rPr lang="en-US" sz="4000" dirty="0"/>
+            </a:br>
+            <a:endParaRPr lang="en-US" sz="4000" dirty="0"/>
+          </a:p>
+        </p:txBody>
+      </p:sp>
+      <p:sp>
+        <p:nvSpPr>
+          <p:cNvPr id="3" name="Subtitle 2">
+            <a:extLst>
+              <a:ext uri="{FF2B5EF4-FFF2-40B4-BE49-F238E27FC236}">
+                <a16:creationId xmlns:a16="http://schemas.microsoft.com/office/drawing/2014/main" id="{1DE7C996-E3C9-E3DC-0EA8-8597271FF8F9}"/>
+              </a:ext>
+            </a:extLst>
+          </p:cNvPr>
+          <p:cNvSpPr>
+            <a:spLocks noGrp="1"/>
+          </p:cNvSpPr>
+          <p:nvPr>
+            <p:ph type="subTitle" idx="1"/>
+          </p:nvPr>
+        </p:nvSpPr>
+        <p:spPr>
+          <a:xfrm>
+            <a:off x="811185" y="2124075"/>
+            <a:ext cx="8874306" cy="3819525"/>
+          </a:xfrm>
+        </p:spPr>
+        <p:txBody>
+          <a:bodyPr/>
+          <a:lstStyle/>
+          <a:p>
+            <a:pPr marL="285750" indent="-285750">
+              <a:buFont typeface="Arial" panose="020B0604020202020204" pitchFamily="34" charset="0"/>
+              <a:buChar char="•"/>
+            </a:pPr>
+            <a:r>
+              <a:rPr lang="en-US" sz="1600" dirty="0">
+                <a:solidFill>
+                  <a:schemeClr val="bg1">
+                    <a:lumMod val="85000"/>
+                  </a:schemeClr>
+                </a:solidFill>
+              </a:rPr>
+              <a:t>Logistic Regression: A linear model for classification rather than regression. It's simple, fast, and provides a probability score for observations.</a:t>
+            </a:r>
+          </a:p>
+          <a:p>
+            <a:pPr marL="285750" indent="-285750">
+              <a:buFont typeface="Arial" panose="020B0604020202020204" pitchFamily="34" charset="0"/>
+              <a:buChar char="•"/>
+            </a:pPr>
+            <a:r>
+              <a:rPr lang="en-US" sz="1600" dirty="0">
+                <a:solidFill>
+                  <a:schemeClr val="bg1">
+                    <a:lumMod val="85000"/>
+                  </a:schemeClr>
+                </a:solidFill>
+              </a:rPr>
+              <a:t>The </a:t>
+            </a:r>
+            <a:r>
+              <a:rPr lang="en-US" sz="1600" dirty="0" err="1">
+                <a:solidFill>
+                  <a:schemeClr val="bg1">
+                    <a:lumMod val="85000"/>
+                  </a:schemeClr>
+                </a:solidFill>
+              </a:rPr>
+              <a:t>XGBoost</a:t>
+            </a:r>
+            <a:r>
+              <a:rPr lang="en-US" sz="1600" dirty="0">
+                <a:solidFill>
+                  <a:schemeClr val="bg1">
+                    <a:lumMod val="85000"/>
+                  </a:schemeClr>
+                </a:solidFill>
+              </a:rPr>
+              <a:t> classifier is a decision-tree-based ensemble machine learning algorithm that uses a gradient boosting framework.</a:t>
+            </a:r>
+          </a:p>
+          <a:p>
+            <a:pPr marL="285750" indent="-285750">
+              <a:buFont typeface="Arial" panose="020B0604020202020204" pitchFamily="34" charset="0"/>
+              <a:buChar char="•"/>
+            </a:pPr>
+            <a:r>
+              <a:rPr lang="en-US" sz="1600" dirty="0">
+                <a:solidFill>
+                  <a:schemeClr val="bg1">
+                    <a:lumMod val="85000"/>
+                  </a:schemeClr>
+                </a:solidFill>
+              </a:rPr>
+              <a:t>Random Forest: An ensemble of decision trees, typically trained with the "bagging" method. It's more robust and accurate than a single decision tree.</a:t>
+            </a:r>
+          </a:p>
+          <a:p>
+            <a:pPr marL="285750" indent="-285750">
+              <a:buFont typeface="Arial" panose="020B0604020202020204" pitchFamily="34" charset="0"/>
+              <a:buChar char="•"/>
+            </a:pPr>
+            <a:r>
+              <a:rPr lang="en-US" sz="1600" dirty="0">
+                <a:solidFill>
+                  <a:schemeClr val="bg1">
+                    <a:lumMod val="85000"/>
+                  </a:schemeClr>
+                </a:solidFill>
+              </a:rPr>
+              <a:t>Support Vector Machines (SVM): A powerful model that finds the optimal boundary between the possible outputs. It's effective in high-dimensional spaces.</a:t>
+            </a:r>
+          </a:p>
+          <a:p>
+            <a:pPr marL="285750" indent="-285750">
+              <a:buFont typeface="Arial" panose="020B0604020202020204" pitchFamily="34" charset="0"/>
+              <a:buChar char="•"/>
+            </a:pPr>
+            <a:r>
+              <a:rPr lang="en-US" sz="1600" dirty="0">
+                <a:solidFill>
+                  <a:schemeClr val="bg1">
+                    <a:lumMod val="85000"/>
+                  </a:schemeClr>
+                </a:solidFill>
+              </a:rPr>
+              <a:t>Naive Bayes: A simple probabilistic classifier based on applying Bayes' theorem with strong (naive) independence assumptions between the features.</a:t>
+            </a:r>
+          </a:p>
+          <a:p>
+            <a:pPr marL="285750" indent="-285750">
+              <a:buFont typeface="Arial" panose="020B0604020202020204" pitchFamily="34" charset="0"/>
+              <a:buChar char="•"/>
+            </a:pPr>
+            <a:r>
+              <a:rPr lang="en-US" sz="1600" dirty="0">
+                <a:solidFill>
+                  <a:schemeClr val="bg1">
+                    <a:lumMod val="85000"/>
+                  </a:schemeClr>
+                </a:solidFill>
+              </a:rPr>
+              <a:t>K-Nearest Neighbors (K-NN): A non-parametric method used for classification and regression. It classifies data based on the majority vote of its neighbors.</a:t>
+            </a:r>
+          </a:p>
+          <a:p>
+            <a:pPr marL="285750" indent="-285750">
+              <a:buFont typeface="Arial" panose="020B0604020202020204" pitchFamily="34" charset="0"/>
+              <a:buChar char="•"/>
+            </a:pPr>
+            <a:r>
+              <a:rPr lang="en-US" sz="1600" dirty="0">
+                <a:solidFill>
+                  <a:schemeClr val="bg1">
+                    <a:lumMod val="85000"/>
+                  </a:schemeClr>
+                </a:solidFill>
+              </a:rPr>
+              <a:t>Multi-Layer Perceptron Classifier (</a:t>
+            </a:r>
+            <a:r>
+              <a:rPr lang="en-US" sz="1600" dirty="0" err="1">
+                <a:solidFill>
+                  <a:schemeClr val="bg1">
+                    <a:lumMod val="85000"/>
+                  </a:schemeClr>
+                </a:solidFill>
+              </a:rPr>
+              <a:t>MLPClassifier</a:t>
+            </a:r>
+            <a:r>
+              <a:rPr lang="en-US" sz="1600" dirty="0">
+                <a:solidFill>
+                  <a:schemeClr val="bg1">
+                    <a:lumMod val="85000"/>
+                  </a:schemeClr>
+                </a:solidFill>
+              </a:rPr>
+              <a:t>), which is a type of neural network used for classification tasks.</a:t>
+            </a:r>
+          </a:p>
+        </p:txBody>
+      </p:sp>
+    </p:spTree>
+    <p:extLst>
+      <p:ext uri="{BB962C8B-B14F-4D97-AF65-F5344CB8AC3E}">
+        <p14:creationId xmlns:p14="http://schemas.microsoft.com/office/powerpoint/2010/main" val="351184362"/>
+      </p:ext>
+    </p:extLst>
+  </p:cSld>
+  <p:clrMapOvr>
+    <a:masterClrMapping/>
+  </p:clrMapOvr>
+</p:sld>
+</file>
+
+<file path=ppt/slides/slide14.xml><?xml version="1.0" encoding="utf-8"?>
+<p:sld xmlns:a="http://schemas.openxmlformats.org/drawingml/2006/main" xmlns:r="http://schemas.openxmlformats.org/officeDocument/2006/relationships" xmlns:p="http://schemas.openxmlformats.org/presentationml/2006/main">
+  <p:cSld>
+    <p:spTree>
+      <p:nvGrpSpPr>
+        <p:cNvPr id="1" name="">
+          <a:extLst>
+            <a:ext uri="{FF2B5EF4-FFF2-40B4-BE49-F238E27FC236}">
+              <a16:creationId xmlns:a16="http://schemas.microsoft.com/office/drawing/2014/main" id="{BFA984F1-6334-B515-D9CF-8DC8AE065926}"/>
+            </a:ext>
+          </a:extLst>
+        </p:cNvPr>
+        <p:cNvGrpSpPr/>
+        <p:nvPr/>
+      </p:nvGrpSpPr>
+      <p:grpSpPr>
+        <a:xfrm>
+          <a:off x="0" y="0"/>
+          <a:ext cx="0" cy="0"/>
+          <a:chOff x="0" y="0"/>
+          <a:chExt cx="0" cy="0"/>
+        </a:xfrm>
+      </p:grpSpPr>
+      <p:sp>
+        <p:nvSpPr>
+          <p:cNvPr id="2" name="Title 1">
+            <a:extLst>
+              <a:ext uri="{FF2B5EF4-FFF2-40B4-BE49-F238E27FC236}">
+                <a16:creationId xmlns:a16="http://schemas.microsoft.com/office/drawing/2014/main" id="{2ECA0B0B-B186-CB20-B816-8BFC28B54D1F}"/>
+              </a:ext>
+            </a:extLst>
+          </p:cNvPr>
+          <p:cNvSpPr>
+            <a:spLocks noGrp="1"/>
+          </p:cNvSpPr>
+          <p:nvPr>
+            <p:ph type="ctrTitle"/>
+          </p:nvPr>
+        </p:nvSpPr>
+        <p:spPr>
+          <a:xfrm>
+            <a:off x="706410" y="1304925"/>
+            <a:ext cx="8874306" cy="819150"/>
+          </a:xfrm>
+        </p:spPr>
+        <p:txBody>
+          <a:bodyPr/>
+          <a:lstStyle/>
+          <a:p>
+            <a:r>
+              <a:rPr lang="en-US" sz="4000" dirty="0"/>
+              <a:t>Capstone Presentation</a:t>
+            </a:r>
+            <a:br>
+              <a:rPr lang="en-US" sz="4000" dirty="0"/>
+            </a:br>
+            <a:r>
+              <a:rPr lang="en-US" sz="3600" dirty="0"/>
+              <a:t>Modeling</a:t>
+            </a:r>
+            <a:br>
+              <a:rPr lang="en-US" sz="4000" dirty="0"/>
+            </a:br>
+            <a:endParaRPr lang="en-US" sz="4000" dirty="0"/>
+          </a:p>
+        </p:txBody>
+      </p:sp>
+      <p:sp>
+        <p:nvSpPr>
+          <p:cNvPr id="3" name="Subtitle 2">
+            <a:extLst>
+              <a:ext uri="{FF2B5EF4-FFF2-40B4-BE49-F238E27FC236}">
+                <a16:creationId xmlns:a16="http://schemas.microsoft.com/office/drawing/2014/main" id="{3D53D0D2-B058-808E-2C19-65DAF73D72CF}"/>
+              </a:ext>
+            </a:extLst>
+          </p:cNvPr>
+          <p:cNvSpPr>
+            <a:spLocks noGrp="1"/>
+          </p:cNvSpPr>
+          <p:nvPr>
+            <p:ph type="subTitle" idx="1"/>
+          </p:nvPr>
+        </p:nvSpPr>
+        <p:spPr>
+          <a:xfrm>
+            <a:off x="811185" y="2124075"/>
+            <a:ext cx="8874306" cy="3819525"/>
+          </a:xfrm>
+        </p:spPr>
+        <p:txBody>
+          <a:bodyPr/>
+          <a:lstStyle/>
+          <a:p>
+            <a:r>
+              <a:rPr lang="en-US" sz="1200" dirty="0">
+                <a:solidFill>
+                  <a:schemeClr val="bg1">
+                    <a:lumMod val="85000"/>
+                  </a:schemeClr>
+                </a:solidFill>
+              </a:rPr>
+              <a:t># Define the list of models to process for comparison</a:t>
+            </a:r>
+          </a:p>
+          <a:p>
+            <a:r>
+              <a:rPr lang="en-US" sz="1200" dirty="0">
+                <a:solidFill>
+                  <a:schemeClr val="bg1">
+                    <a:lumMod val="85000"/>
+                  </a:schemeClr>
+                </a:solidFill>
+              </a:rPr>
+              <a:t>models = [</a:t>
+            </a:r>
+          </a:p>
+          <a:p>
+            <a:r>
+              <a:rPr lang="en-US" sz="1200" dirty="0">
+                <a:solidFill>
+                  <a:schemeClr val="bg1">
+                    <a:lumMod val="85000"/>
+                  </a:schemeClr>
+                </a:solidFill>
+              </a:rPr>
+              <a:t>    ('Logistic Regression', </a:t>
+            </a:r>
+            <a:r>
+              <a:rPr lang="en-US" sz="1200" dirty="0" err="1">
+                <a:solidFill>
+                  <a:schemeClr val="bg1">
+                    <a:lumMod val="85000"/>
+                  </a:schemeClr>
+                </a:solidFill>
+              </a:rPr>
+              <a:t>LogisticRegression</a:t>
+            </a:r>
+            <a:r>
+              <a:rPr lang="en-US" sz="1200" dirty="0">
+                <a:solidFill>
+                  <a:schemeClr val="bg1">
+                    <a:lumMod val="85000"/>
+                  </a:schemeClr>
+                </a:solidFill>
+              </a:rPr>
+              <a:t>(</a:t>
+            </a:r>
+            <a:r>
+              <a:rPr lang="en-US" sz="1200" dirty="0" err="1">
+                <a:solidFill>
+                  <a:schemeClr val="bg1">
+                    <a:lumMod val="85000"/>
+                  </a:schemeClr>
+                </a:solidFill>
+              </a:rPr>
+              <a:t>max_iter</a:t>
+            </a:r>
+            <a:r>
+              <a:rPr lang="en-US" sz="1200" dirty="0">
+                <a:solidFill>
+                  <a:schemeClr val="bg1">
+                    <a:lumMod val="85000"/>
+                  </a:schemeClr>
+                </a:solidFill>
+              </a:rPr>
+              <a:t>=1000, </a:t>
+            </a:r>
+            <a:r>
+              <a:rPr lang="en-US" sz="1200" dirty="0" err="1">
+                <a:solidFill>
+                  <a:schemeClr val="bg1">
+                    <a:lumMod val="85000"/>
+                  </a:schemeClr>
+                </a:solidFill>
+              </a:rPr>
+              <a:t>random_state</a:t>
+            </a:r>
+            <a:r>
+              <a:rPr lang="en-US" sz="1200" dirty="0">
+                <a:solidFill>
+                  <a:schemeClr val="bg1">
+                    <a:lumMod val="85000"/>
+                  </a:schemeClr>
+                </a:solidFill>
+              </a:rPr>
+              <a:t>=47)),</a:t>
+            </a:r>
+          </a:p>
+          <a:p>
+            <a:r>
+              <a:rPr lang="en-US" sz="1200" dirty="0">
+                <a:solidFill>
+                  <a:schemeClr val="bg1">
+                    <a:lumMod val="85000"/>
+                  </a:schemeClr>
+                </a:solidFill>
+              </a:rPr>
+              <a:t>    ('Random Forest', </a:t>
+            </a:r>
+            <a:r>
+              <a:rPr lang="en-US" sz="1200" dirty="0" err="1">
+                <a:solidFill>
+                  <a:schemeClr val="bg1">
+                    <a:lumMod val="85000"/>
+                  </a:schemeClr>
+                </a:solidFill>
+              </a:rPr>
+              <a:t>RandomForestClassifier</a:t>
+            </a:r>
+            <a:r>
+              <a:rPr lang="en-US" sz="1200" dirty="0">
+                <a:solidFill>
+                  <a:schemeClr val="bg1">
+                    <a:lumMod val="85000"/>
+                  </a:schemeClr>
+                </a:solidFill>
+              </a:rPr>
+              <a:t>(</a:t>
+            </a:r>
+            <a:r>
+              <a:rPr lang="en-US" sz="1200" dirty="0" err="1">
+                <a:solidFill>
+                  <a:schemeClr val="bg1">
+                    <a:lumMod val="85000"/>
+                  </a:schemeClr>
+                </a:solidFill>
+              </a:rPr>
+              <a:t>random_state</a:t>
+            </a:r>
+            <a:r>
+              <a:rPr lang="en-US" sz="1200" dirty="0">
+                <a:solidFill>
+                  <a:schemeClr val="bg1">
+                    <a:lumMod val="85000"/>
+                  </a:schemeClr>
+                </a:solidFill>
+              </a:rPr>
+              <a:t>=47)),</a:t>
+            </a:r>
+          </a:p>
+          <a:p>
+            <a:r>
+              <a:rPr lang="en-US" sz="1200" dirty="0">
+                <a:solidFill>
+                  <a:schemeClr val="bg1">
+                    <a:lumMod val="85000"/>
+                  </a:schemeClr>
+                </a:solidFill>
+              </a:rPr>
+              <a:t>    ('</a:t>
+            </a:r>
+            <a:r>
+              <a:rPr lang="en-US" sz="1200" dirty="0" err="1">
+                <a:solidFill>
+                  <a:schemeClr val="bg1">
+                    <a:lumMod val="85000"/>
+                  </a:schemeClr>
+                </a:solidFill>
+              </a:rPr>
+              <a:t>XGBoost</a:t>
+            </a:r>
+            <a:r>
+              <a:rPr lang="en-US" sz="1200" dirty="0">
+                <a:solidFill>
+                  <a:schemeClr val="bg1">
+                    <a:lumMod val="85000"/>
+                  </a:schemeClr>
+                </a:solidFill>
+              </a:rPr>
+              <a:t>', </a:t>
+            </a:r>
+            <a:r>
+              <a:rPr lang="en-US" sz="1200" dirty="0" err="1">
+                <a:solidFill>
+                  <a:schemeClr val="bg1">
+                    <a:lumMod val="85000"/>
+                  </a:schemeClr>
+                </a:solidFill>
+              </a:rPr>
+              <a:t>xgb.XGBClassifier</a:t>
+            </a:r>
+            <a:r>
+              <a:rPr lang="en-US" sz="1200" dirty="0">
+                <a:solidFill>
+                  <a:schemeClr val="bg1">
+                    <a:lumMod val="85000"/>
+                  </a:schemeClr>
+                </a:solidFill>
+              </a:rPr>
+              <a:t>(</a:t>
+            </a:r>
+            <a:r>
+              <a:rPr lang="en-US" sz="1200" dirty="0" err="1">
+                <a:solidFill>
+                  <a:schemeClr val="bg1">
+                    <a:lumMod val="85000"/>
+                  </a:schemeClr>
+                </a:solidFill>
+              </a:rPr>
+              <a:t>random_state</a:t>
+            </a:r>
+            <a:r>
+              <a:rPr lang="en-US" sz="1200" dirty="0">
+                <a:solidFill>
+                  <a:schemeClr val="bg1">
+                    <a:lumMod val="85000"/>
+                  </a:schemeClr>
+                </a:solidFill>
+              </a:rPr>
+              <a:t>=47)),</a:t>
+            </a:r>
+          </a:p>
+          <a:p>
+            <a:r>
+              <a:rPr lang="en-US" sz="1200" dirty="0">
+                <a:solidFill>
+                  <a:schemeClr val="bg1">
+                    <a:lumMod val="85000"/>
+                  </a:schemeClr>
+                </a:solidFill>
+              </a:rPr>
+              <a:t>    ('MLP', </a:t>
+            </a:r>
+            <a:r>
+              <a:rPr lang="en-US" sz="1200" dirty="0" err="1">
+                <a:solidFill>
+                  <a:schemeClr val="bg1">
+                    <a:lumMod val="85000"/>
+                  </a:schemeClr>
+                </a:solidFill>
+              </a:rPr>
+              <a:t>MLPClassifier</a:t>
+            </a:r>
+            <a:r>
+              <a:rPr lang="en-US" sz="1200" dirty="0">
+                <a:solidFill>
+                  <a:schemeClr val="bg1">
+                    <a:lumMod val="85000"/>
+                  </a:schemeClr>
+                </a:solidFill>
+              </a:rPr>
+              <a:t>(</a:t>
+            </a:r>
+            <a:r>
+              <a:rPr lang="en-US" sz="1200" dirty="0" err="1">
+                <a:solidFill>
+                  <a:schemeClr val="bg1">
+                    <a:lumMod val="85000"/>
+                  </a:schemeClr>
+                </a:solidFill>
+              </a:rPr>
+              <a:t>hidden_layer_sizes</a:t>
+            </a:r>
+            <a:r>
+              <a:rPr lang="en-US" sz="1200" dirty="0">
+                <a:solidFill>
+                  <a:schemeClr val="bg1">
+                    <a:lumMod val="85000"/>
+                  </a:schemeClr>
+                </a:solidFill>
+              </a:rPr>
+              <a:t>=(100, 50), </a:t>
+            </a:r>
+            <a:r>
+              <a:rPr lang="en-US" sz="1200" dirty="0" err="1">
+                <a:solidFill>
+                  <a:schemeClr val="bg1">
+                    <a:lumMod val="85000"/>
+                  </a:schemeClr>
+                </a:solidFill>
+              </a:rPr>
+              <a:t>max_iter</a:t>
+            </a:r>
+            <a:r>
+              <a:rPr lang="en-US" sz="1200" dirty="0">
+                <a:solidFill>
+                  <a:schemeClr val="bg1">
+                    <a:lumMod val="85000"/>
+                  </a:schemeClr>
+                </a:solidFill>
+              </a:rPr>
+              <a:t>=1000, </a:t>
+            </a:r>
+            <a:r>
+              <a:rPr lang="en-US" sz="1200" dirty="0" err="1">
+                <a:solidFill>
+                  <a:schemeClr val="bg1">
+                    <a:lumMod val="85000"/>
+                  </a:schemeClr>
+                </a:solidFill>
+              </a:rPr>
+              <a:t>random_state</a:t>
+            </a:r>
+            <a:r>
+              <a:rPr lang="en-US" sz="1200" dirty="0">
+                <a:solidFill>
+                  <a:schemeClr val="bg1">
+                    <a:lumMod val="85000"/>
+                  </a:schemeClr>
+                </a:solidFill>
+              </a:rPr>
+              <a:t>=47))</a:t>
+            </a:r>
+          </a:p>
+          <a:p>
+            <a:r>
+              <a:rPr lang="en-US" sz="1200" dirty="0">
+                <a:solidFill>
+                  <a:schemeClr val="bg1">
+                    <a:lumMod val="85000"/>
+                  </a:schemeClr>
+                </a:solidFill>
+              </a:rPr>
+              <a:t>]</a:t>
+            </a:r>
+          </a:p>
+          <a:p>
+            <a:r>
+              <a:rPr lang="en-US" sz="1200" dirty="0">
+                <a:solidFill>
+                  <a:schemeClr val="bg1">
+                    <a:lumMod val="85000"/>
+                  </a:schemeClr>
+                </a:solidFill>
+              </a:rPr>
+              <a:t># Create the list of pipelines for each model to be used the next step</a:t>
+            </a:r>
+          </a:p>
+          <a:p>
+            <a:r>
+              <a:rPr lang="en-US" sz="1200" dirty="0">
+                <a:solidFill>
+                  <a:schemeClr val="bg1">
+                    <a:lumMod val="85000"/>
+                  </a:schemeClr>
+                </a:solidFill>
+              </a:rPr>
+              <a:t>pipelines = []</a:t>
+            </a:r>
+          </a:p>
+          <a:p>
+            <a:r>
+              <a:rPr lang="en-US" sz="1200" dirty="0">
+                <a:solidFill>
+                  <a:schemeClr val="bg1">
+                    <a:lumMod val="85000"/>
+                  </a:schemeClr>
+                </a:solidFill>
+              </a:rPr>
+              <a:t>for </a:t>
+            </a:r>
+            <a:r>
+              <a:rPr lang="en-US" sz="1200" dirty="0" err="1">
+                <a:solidFill>
+                  <a:schemeClr val="bg1">
+                    <a:lumMod val="85000"/>
+                  </a:schemeClr>
+                </a:solidFill>
+              </a:rPr>
+              <a:t>model_name</a:t>
+            </a:r>
+            <a:r>
+              <a:rPr lang="en-US" sz="1200" dirty="0">
+                <a:solidFill>
+                  <a:schemeClr val="bg1">
+                    <a:lumMod val="85000"/>
+                  </a:schemeClr>
+                </a:solidFill>
+              </a:rPr>
+              <a:t>, model in models:</a:t>
+            </a:r>
+          </a:p>
+          <a:p>
+            <a:r>
+              <a:rPr lang="en-US" sz="1200" dirty="0">
+                <a:solidFill>
+                  <a:schemeClr val="bg1">
+                    <a:lumMod val="85000"/>
+                  </a:schemeClr>
+                </a:solidFill>
+              </a:rPr>
+              <a:t>    </a:t>
+            </a:r>
+            <a:r>
+              <a:rPr lang="en-US" sz="1200" dirty="0" err="1">
+                <a:solidFill>
+                  <a:schemeClr val="bg1">
+                    <a:lumMod val="85000"/>
+                  </a:schemeClr>
+                </a:solidFill>
+              </a:rPr>
+              <a:t>pipelines.append</a:t>
+            </a:r>
+            <a:r>
+              <a:rPr lang="en-US" sz="1200" dirty="0">
+                <a:solidFill>
+                  <a:schemeClr val="bg1">
+                    <a:lumMod val="85000"/>
+                  </a:schemeClr>
+                </a:solidFill>
+              </a:rPr>
+              <a:t>((</a:t>
+            </a:r>
+          </a:p>
+          <a:p>
+            <a:r>
+              <a:rPr lang="en-US" sz="1200" dirty="0">
+                <a:solidFill>
+                  <a:schemeClr val="bg1">
+                    <a:lumMod val="85000"/>
+                  </a:schemeClr>
+                </a:solidFill>
+              </a:rPr>
+              <a:t>        </a:t>
+            </a:r>
+            <a:r>
+              <a:rPr lang="en-US" sz="1200" dirty="0" err="1">
+                <a:solidFill>
+                  <a:schemeClr val="bg1">
+                    <a:lumMod val="85000"/>
+                  </a:schemeClr>
+                </a:solidFill>
+              </a:rPr>
+              <a:t>model_name</a:t>
+            </a:r>
+            <a:r>
+              <a:rPr lang="en-US" sz="1200" dirty="0">
+                <a:solidFill>
+                  <a:schemeClr val="bg1">
+                    <a:lumMod val="85000"/>
+                  </a:schemeClr>
+                </a:solidFill>
+              </a:rPr>
+              <a:t>,</a:t>
+            </a:r>
+          </a:p>
+          <a:p>
+            <a:r>
+              <a:rPr lang="en-US" sz="1200" dirty="0">
+                <a:solidFill>
+                  <a:schemeClr val="bg1">
+                    <a:lumMod val="85000"/>
+                  </a:schemeClr>
+                </a:solidFill>
+              </a:rPr>
+              <a:t>        Pipeline([</a:t>
+            </a:r>
+          </a:p>
+          <a:p>
+            <a:r>
+              <a:rPr lang="en-US" sz="1200" dirty="0">
+                <a:solidFill>
+                  <a:schemeClr val="bg1">
+                    <a:lumMod val="85000"/>
+                  </a:schemeClr>
+                </a:solidFill>
+              </a:rPr>
+              <a:t>            ('Model', model)  </a:t>
+            </a:r>
+          </a:p>
+          <a:p>
+            <a:r>
+              <a:rPr lang="en-US" sz="1200" dirty="0">
+                <a:solidFill>
+                  <a:schemeClr val="bg1">
+                    <a:lumMod val="85000"/>
+                  </a:schemeClr>
+                </a:solidFill>
+              </a:rPr>
+              <a:t>        ])</a:t>
+            </a:r>
+          </a:p>
+          <a:p>
+            <a:r>
+              <a:rPr lang="en-US" sz="1200" dirty="0">
+                <a:solidFill>
+                  <a:schemeClr val="bg1">
+                    <a:lumMod val="85000"/>
+                  </a:schemeClr>
+                </a:solidFill>
+              </a:rPr>
+              <a:t>    ))</a:t>
+            </a:r>
+          </a:p>
+        </p:txBody>
+      </p:sp>
+    </p:spTree>
+    <p:extLst>
+      <p:ext uri="{BB962C8B-B14F-4D97-AF65-F5344CB8AC3E}">
+        <p14:creationId xmlns:p14="http://schemas.microsoft.com/office/powerpoint/2010/main" val="1717579025"/>
+      </p:ext>
+    </p:extLst>
+  </p:cSld>
+  <p:clrMapOvr>
+    <a:masterClrMapping/>
+  </p:clrMapOvr>
+</p:sld>
+</file>
+
+<file path=ppt/slides/slide15.xml><?xml version="1.0" encoding="utf-8"?>
+<p:sld xmlns:a="http://schemas.openxmlformats.org/drawingml/2006/main" xmlns:r="http://schemas.openxmlformats.org/officeDocument/2006/relationships" xmlns:p="http://schemas.openxmlformats.org/presentationml/2006/main">
+  <p:cSld>
+    <p:spTree>
+      <p:nvGrpSpPr>
+        <p:cNvPr id="1" name="">
+          <a:extLst>
+            <a:ext uri="{FF2B5EF4-FFF2-40B4-BE49-F238E27FC236}">
+              <a16:creationId xmlns:a16="http://schemas.microsoft.com/office/drawing/2014/main" id="{F101A437-12FB-3A5C-EF13-AA4EF807E3B9}"/>
+            </a:ext>
+          </a:extLst>
+        </p:cNvPr>
+        <p:cNvGrpSpPr/>
+        <p:nvPr/>
+      </p:nvGrpSpPr>
+      <p:grpSpPr>
+        <a:xfrm>
+          <a:off x="0" y="0"/>
+          <a:ext cx="0" cy="0"/>
+          <a:chOff x="0" y="0"/>
+          <a:chExt cx="0" cy="0"/>
+        </a:xfrm>
+      </p:grpSpPr>
+      <p:sp>
+        <p:nvSpPr>
+          <p:cNvPr id="2" name="Title 1">
+            <a:extLst>
+              <a:ext uri="{FF2B5EF4-FFF2-40B4-BE49-F238E27FC236}">
+                <a16:creationId xmlns:a16="http://schemas.microsoft.com/office/drawing/2014/main" id="{0ED6866A-08BE-B991-C0A1-D8BF4C4F9FB6}"/>
+              </a:ext>
+            </a:extLst>
+          </p:cNvPr>
+          <p:cNvSpPr>
+            <a:spLocks noGrp="1"/>
+          </p:cNvSpPr>
+          <p:nvPr>
+            <p:ph type="ctrTitle"/>
+          </p:nvPr>
+        </p:nvSpPr>
+        <p:spPr>
+          <a:xfrm>
+            <a:off x="706410" y="1304925"/>
+            <a:ext cx="8874306" cy="819150"/>
+          </a:xfrm>
+        </p:spPr>
+        <p:txBody>
+          <a:bodyPr/>
+          <a:lstStyle/>
+          <a:p>
+            <a:r>
+              <a:rPr lang="en-US" sz="4000" dirty="0"/>
+              <a:t>Capstone Presentation</a:t>
+            </a:r>
+            <a:br>
+              <a:rPr lang="en-US" sz="4000" dirty="0"/>
+            </a:br>
+            <a:r>
+              <a:rPr lang="en-US" sz="3600" dirty="0"/>
+              <a:t>Modeling</a:t>
+            </a:r>
+            <a:br>
+              <a:rPr lang="en-US" sz="4000" dirty="0"/>
+            </a:br>
+            <a:endParaRPr lang="en-US" sz="4000" dirty="0"/>
+          </a:p>
+        </p:txBody>
+      </p:sp>
+      <p:sp>
+        <p:nvSpPr>
+          <p:cNvPr id="3" name="Subtitle 2">
+            <a:extLst>
+              <a:ext uri="{FF2B5EF4-FFF2-40B4-BE49-F238E27FC236}">
+                <a16:creationId xmlns:a16="http://schemas.microsoft.com/office/drawing/2014/main" id="{34F32B60-8749-ED27-5A64-53B9EC9BF9D9}"/>
+              </a:ext>
+            </a:extLst>
+          </p:cNvPr>
+          <p:cNvSpPr>
+            <a:spLocks noGrp="1"/>
+          </p:cNvSpPr>
+          <p:nvPr>
+            <p:ph type="subTitle" idx="1"/>
+          </p:nvPr>
+        </p:nvSpPr>
+        <p:spPr>
+          <a:xfrm>
+            <a:off x="811185" y="2124075"/>
+            <a:ext cx="8874306" cy="3819525"/>
+          </a:xfrm>
+        </p:spPr>
+        <p:txBody>
+          <a:bodyPr/>
+          <a:lstStyle/>
+          <a:p>
+            <a:r>
+              <a:rPr lang="en-US" sz="1600" dirty="0">
+                <a:solidFill>
+                  <a:schemeClr val="bg1">
+                    <a:lumMod val="85000"/>
+                  </a:schemeClr>
+                </a:solidFill>
+              </a:rPr>
+              <a:t>Accuracy: The proportion of true results (both true positives and true negatives) among the total number of cases examined.</a:t>
+            </a:r>
+          </a:p>
+          <a:p>
+            <a:r>
+              <a:rPr lang="en-US" sz="1600" dirty="0">
+                <a:solidFill>
+                  <a:schemeClr val="bg1">
+                    <a:lumMod val="85000"/>
+                  </a:schemeClr>
+                </a:solidFill>
+              </a:rPr>
+              <a:t>Precision: The ratio of true positives to the sum of true and false positives, indicating the quality of the positive class predictions.</a:t>
+            </a:r>
+          </a:p>
+          <a:p>
+            <a:r>
+              <a:rPr lang="en-US" sz="1600" dirty="0">
+                <a:solidFill>
+                  <a:schemeClr val="bg1">
+                    <a:lumMod val="85000"/>
+                  </a:schemeClr>
+                </a:solidFill>
+              </a:rPr>
+              <a:t>Recall (Sensitivity): The ratio of true positives to the sum of true positives and false negatives, indicating how well the model can identify the positive class.</a:t>
+            </a:r>
+          </a:p>
+          <a:p>
+            <a:r>
+              <a:rPr lang="en-US" sz="1600" dirty="0">
+                <a:solidFill>
+                  <a:schemeClr val="bg1">
+                    <a:lumMod val="85000"/>
+                  </a:schemeClr>
+                </a:solidFill>
+              </a:rPr>
+              <a:t>F1 Score: The harmonic mean of precision and recall, providing a balance between the two in cases where one may be more important than the other.</a:t>
+            </a:r>
+          </a:p>
+          <a:p>
+            <a:r>
+              <a:rPr lang="en-US" sz="1600" dirty="0">
+                <a:solidFill>
+                  <a:schemeClr val="bg1">
+                    <a:lumMod val="85000"/>
+                  </a:schemeClr>
+                </a:solidFill>
+              </a:rPr>
+              <a:t>ROC-AUC Score: The area under the Receiver Operating Characteristic (ROC) curve, which plots the true positive rate against the false positive rate at various threshold settings.</a:t>
+            </a:r>
+          </a:p>
+          <a:p>
+            <a:r>
+              <a:rPr lang="en-US" sz="1600" dirty="0">
+                <a:solidFill>
+                  <a:schemeClr val="bg1">
+                    <a:lumMod val="85000"/>
+                  </a:schemeClr>
+                </a:solidFill>
+              </a:rPr>
+              <a:t>Confusion Matrix: A table that describes the performance of a classification model on a set of test data for which the true values are known.</a:t>
+            </a:r>
+          </a:p>
+          <a:p>
+            <a:r>
+              <a:rPr lang="en-US" sz="1600" dirty="0">
+                <a:solidFill>
+                  <a:schemeClr val="bg1">
+                    <a:lumMod val="85000"/>
+                  </a:schemeClr>
+                </a:solidFill>
+              </a:rPr>
+              <a:t>The Matthews correlation coefficient (MCC) takes into account true and false positives and negatives, providing a balanced measure that can be used even if the classes are of very different sizes.</a:t>
+            </a:r>
+          </a:p>
+        </p:txBody>
+      </p:sp>
+    </p:spTree>
+    <p:extLst>
+      <p:ext uri="{BB962C8B-B14F-4D97-AF65-F5344CB8AC3E}">
+        <p14:creationId xmlns:p14="http://schemas.microsoft.com/office/powerpoint/2010/main" val="2081010872"/>
+      </p:ext>
+    </p:extLst>
+  </p:cSld>
+  <p:clrMapOvr>
+    <a:masterClrMapping/>
+  </p:clrMapOvr>
+</p:sld>
+</file>
+
+<file path=ppt/slides/slide16.xml><?xml version="1.0" encoding="utf-8"?>
+<p:sld xmlns:a="http://schemas.openxmlformats.org/drawingml/2006/main" xmlns:r="http://schemas.openxmlformats.org/officeDocument/2006/relationships" xmlns:p="http://schemas.openxmlformats.org/presentationml/2006/main">
+  <p:cSld>
+    <p:spTree>
+      <p:nvGrpSpPr>
+        <p:cNvPr id="1" name=""/>
+        <p:cNvGrpSpPr/>
+        <p:nvPr/>
+      </p:nvGrpSpPr>
+      <p:grpSpPr>
+        <a:xfrm>
+          <a:off x="0" y="0"/>
+          <a:ext cx="0" cy="0"/>
+          <a:chOff x="0" y="0"/>
+          <a:chExt cx="0" cy="0"/>
+        </a:xfrm>
+      </p:grpSpPr>
+      <p:sp>
+        <p:nvSpPr>
+          <p:cNvPr id="2" name="Title 1">
+            <a:extLst>
+              <a:ext uri="{FF2B5EF4-FFF2-40B4-BE49-F238E27FC236}">
+                <a16:creationId xmlns:a16="http://schemas.microsoft.com/office/drawing/2014/main" id="{725A48F1-9FC0-FFD5-8DE1-3B553A09841B}"/>
+              </a:ext>
+            </a:extLst>
+          </p:cNvPr>
+          <p:cNvSpPr>
+            <a:spLocks noGrp="1"/>
+          </p:cNvSpPr>
+          <p:nvPr>
+            <p:ph type="title"/>
+          </p:nvPr>
+        </p:nvSpPr>
+        <p:spPr>
+          <a:xfrm>
+            <a:off x="811185" y="621973"/>
+            <a:ext cx="8170890" cy="961899"/>
+          </a:xfrm>
+        </p:spPr>
+        <p:txBody>
+          <a:bodyPr/>
+          <a:lstStyle/>
+          <a:p>
+            <a:r>
+              <a:rPr lang="en-US" sz="4000" dirty="0"/>
+              <a:t>Capstone Presentation</a:t>
+            </a:r>
+            <a:br>
+              <a:rPr lang="en-US" sz="4000" dirty="0"/>
+            </a:br>
+            <a:r>
+              <a:rPr lang="en-US" sz="3600" dirty="0"/>
+              <a:t>Modeling</a:t>
+            </a:r>
+            <a:endParaRPr lang="en-US" dirty="0"/>
+          </a:p>
+        </p:txBody>
+      </p:sp>
+      <p:sp>
+        <p:nvSpPr>
+          <p:cNvPr id="4" name="Text Placeholder 3">
+            <a:extLst>
+              <a:ext uri="{FF2B5EF4-FFF2-40B4-BE49-F238E27FC236}">
+                <a16:creationId xmlns:a16="http://schemas.microsoft.com/office/drawing/2014/main" id="{EA9F31CF-0C13-36B6-4BBF-5AF7ABE1C648}"/>
+              </a:ext>
+            </a:extLst>
+          </p:cNvPr>
+          <p:cNvSpPr>
+            <a:spLocks noGrp="1"/>
+          </p:cNvSpPr>
+          <p:nvPr>
+            <p:ph type="body" sz="quarter" idx="16"/>
+          </p:nvPr>
+        </p:nvSpPr>
+        <p:spPr>
+          <a:xfrm>
+            <a:off x="419100" y="2505076"/>
+            <a:ext cx="5067300" cy="4048124"/>
+          </a:xfrm>
+        </p:spPr>
+        <p:txBody>
+          <a:bodyPr/>
+          <a:lstStyle/>
+          <a:p>
+            <a:endParaRPr lang="en-US" dirty="0"/>
+          </a:p>
+        </p:txBody>
+      </p:sp>
+      <p:sp>
+        <p:nvSpPr>
+          <p:cNvPr id="6" name="Text Placeholder 5">
+            <a:extLst>
+              <a:ext uri="{FF2B5EF4-FFF2-40B4-BE49-F238E27FC236}">
+                <a16:creationId xmlns:a16="http://schemas.microsoft.com/office/drawing/2014/main" id="{ABD720DD-7826-31BF-754B-E80018C1446C}"/>
+              </a:ext>
+            </a:extLst>
+          </p:cNvPr>
+          <p:cNvSpPr>
+            <a:spLocks noGrp="1"/>
+          </p:cNvSpPr>
+          <p:nvPr>
+            <p:ph type="body" sz="quarter" idx="24"/>
+          </p:nvPr>
+        </p:nvSpPr>
+        <p:spPr>
+          <a:xfrm>
+            <a:off x="5611783" y="2505076"/>
+            <a:ext cx="5770591" cy="4114799"/>
+          </a:xfrm>
+        </p:spPr>
+        <p:txBody>
+          <a:bodyPr/>
+          <a:lstStyle/>
+          <a:p>
+            <a:endParaRPr lang="en-US" dirty="0"/>
+          </a:p>
+        </p:txBody>
+      </p:sp>
+      <p:sp>
+        <p:nvSpPr>
+          <p:cNvPr id="8" name="Slide Number Placeholder 7">
+            <a:extLst>
+              <a:ext uri="{FF2B5EF4-FFF2-40B4-BE49-F238E27FC236}">
+                <a16:creationId xmlns:a16="http://schemas.microsoft.com/office/drawing/2014/main" id="{7920A76F-D825-B8BB-9446-CBCCA5271881}"/>
+              </a:ext>
+            </a:extLst>
+          </p:cNvPr>
+          <p:cNvSpPr>
+            <a:spLocks noGrp="1"/>
+          </p:cNvSpPr>
+          <p:nvPr>
+            <p:ph type="sldNum" sz="quarter" idx="11"/>
+          </p:nvPr>
+        </p:nvSpPr>
+        <p:spPr/>
+        <p:txBody>
+          <a:bodyPr/>
+          <a:lstStyle/>
+          <a:p>
+            <a:fld id="{B5CEABB6-07DC-46E8-9B57-56EC44A396E5}" type="slidenum">
+              <a:rPr lang="en-US" smtClean="0"/>
+              <a:pPr/>
+              <a:t>16</a:t>
+            </a:fld>
+            <a:endParaRPr lang="en-US" dirty="0"/>
+          </a:p>
+        </p:txBody>
+      </p:sp>
+      <p:pic>
+        <p:nvPicPr>
+          <p:cNvPr id="10" name="Picture 9">
+            <a:extLst>
+              <a:ext uri="{FF2B5EF4-FFF2-40B4-BE49-F238E27FC236}">
+                <a16:creationId xmlns:a16="http://schemas.microsoft.com/office/drawing/2014/main" id="{0562BA02-8399-3874-C37E-6130EA15E897}"/>
+              </a:ext>
+            </a:extLst>
+          </p:cNvPr>
+          <p:cNvPicPr>
+            <a:picLocks noChangeAspect="1"/>
+          </p:cNvPicPr>
+          <p:nvPr/>
+        </p:nvPicPr>
+        <p:blipFill>
+          <a:blip r:embed="rId2"/>
+          <a:stretch>
+            <a:fillRect/>
+          </a:stretch>
+        </p:blipFill>
+        <p:spPr>
+          <a:xfrm>
+            <a:off x="742953" y="2710071"/>
+            <a:ext cx="4190476" cy="3342857"/>
+          </a:xfrm>
+          <a:prstGeom prst="rect">
+            <a:avLst/>
+          </a:prstGeom>
+        </p:spPr>
+      </p:pic>
+      <p:pic>
+        <p:nvPicPr>
+          <p:cNvPr id="12" name="Picture 11">
+            <a:extLst>
+              <a:ext uri="{FF2B5EF4-FFF2-40B4-BE49-F238E27FC236}">
+                <a16:creationId xmlns:a16="http://schemas.microsoft.com/office/drawing/2014/main" id="{66415ACA-0128-74F7-1C5B-024CF4F494B8}"/>
+              </a:ext>
+            </a:extLst>
+          </p:cNvPr>
+          <p:cNvPicPr>
+            <a:picLocks noChangeAspect="1"/>
+          </p:cNvPicPr>
+          <p:nvPr/>
+        </p:nvPicPr>
+        <p:blipFill>
+          <a:blip r:embed="rId3"/>
+          <a:stretch>
+            <a:fillRect/>
+          </a:stretch>
+        </p:blipFill>
+        <p:spPr>
+          <a:xfrm>
+            <a:off x="6050338" y="2638633"/>
+            <a:ext cx="4228571" cy="3333333"/>
+          </a:xfrm>
+          <a:prstGeom prst="rect">
+            <a:avLst/>
+          </a:prstGeom>
+        </p:spPr>
+      </p:pic>
+      <p:sp>
+        <p:nvSpPr>
+          <p:cNvPr id="15" name="TextBox 14">
+            <a:extLst>
+              <a:ext uri="{FF2B5EF4-FFF2-40B4-BE49-F238E27FC236}">
+                <a16:creationId xmlns:a16="http://schemas.microsoft.com/office/drawing/2014/main" id="{6EA06B83-C52C-5F70-B81E-95CA2C7D0429}"/>
+              </a:ext>
+            </a:extLst>
+          </p:cNvPr>
+          <p:cNvSpPr txBox="1"/>
+          <p:nvPr/>
+        </p:nvSpPr>
+        <p:spPr>
+          <a:xfrm>
+            <a:off x="666750" y="2105025"/>
+            <a:ext cx="8772525" cy="369332"/>
+          </a:xfrm>
+          <a:prstGeom prst="rect">
+            <a:avLst/>
+          </a:prstGeom>
+          <a:noFill/>
+        </p:spPr>
+        <p:txBody>
+          <a:bodyPr wrap="square" rtlCol="0">
+            <a:spAutoFit/>
+          </a:bodyPr>
+          <a:lstStyle/>
+          <a:p>
+            <a:r>
+              <a:rPr lang="en-US" dirty="0">
+                <a:solidFill>
+                  <a:schemeClr val="bg1"/>
+                </a:solidFill>
+              </a:rPr>
+              <a:t>Choose a medical that minimizes false positives</a:t>
+            </a:r>
+            <a:r>
+              <a:rPr lang="en-US" dirty="0"/>
+              <a:t>.</a:t>
+            </a:r>
+          </a:p>
+        </p:txBody>
+      </p:sp>
+    </p:spTree>
+    <p:extLst>
+      <p:ext uri="{BB962C8B-B14F-4D97-AF65-F5344CB8AC3E}">
+        <p14:creationId xmlns:p14="http://schemas.microsoft.com/office/powerpoint/2010/main" val="156166404"/>
+      </p:ext>
+    </p:extLst>
+  </p:cSld>
+  <p:clrMapOvr>
+    <a:masterClrMapping/>
+  </p:clrMapOvr>
+</p:sld>
+</file>
+
+<file path=ppt/slides/slide17.xml><?xml version="1.0" encoding="utf-8"?>
+<p:sld xmlns:a="http://schemas.openxmlformats.org/drawingml/2006/main" xmlns:r="http://schemas.openxmlformats.org/officeDocument/2006/relationships" xmlns:p="http://schemas.openxmlformats.org/presentationml/2006/main">
+  <p:cSld>
+    <p:spTree>
+      <p:nvGrpSpPr>
+        <p:cNvPr id="1" name=""/>
+        <p:cNvGrpSpPr/>
+        <p:nvPr/>
+      </p:nvGrpSpPr>
+      <p:grpSpPr>
+        <a:xfrm>
+          <a:off x="0" y="0"/>
+          <a:ext cx="0" cy="0"/>
+          <a:chOff x="0" y="0"/>
+          <a:chExt cx="0" cy="0"/>
+        </a:xfrm>
+      </p:grpSpPr>
+      <p:sp>
+        <p:nvSpPr>
+          <p:cNvPr id="2" name="Title 1">
+            <a:extLst>
+              <a:ext uri="{FF2B5EF4-FFF2-40B4-BE49-F238E27FC236}">
+                <a16:creationId xmlns:a16="http://schemas.microsoft.com/office/drawing/2014/main" id="{F3ADC661-EDEF-B359-F140-D79660EDFAFA}"/>
+              </a:ext>
+            </a:extLst>
+          </p:cNvPr>
+          <p:cNvSpPr>
+            <a:spLocks noGrp="1"/>
+          </p:cNvSpPr>
+          <p:nvPr>
+            <p:ph type="title"/>
+          </p:nvPr>
+        </p:nvSpPr>
+        <p:spPr>
+          <a:xfrm>
+            <a:off x="811185" y="621973"/>
+            <a:ext cx="6818340" cy="961899"/>
+          </a:xfrm>
+        </p:spPr>
+        <p:txBody>
+          <a:bodyPr/>
+          <a:lstStyle/>
+          <a:p>
+            <a:r>
+              <a:rPr lang="en-US" sz="4000" dirty="0"/>
+              <a:t>Capstone Presentation</a:t>
+            </a:r>
+            <a:br>
+              <a:rPr lang="en-US" sz="4000" dirty="0"/>
+            </a:br>
+            <a:r>
+              <a:rPr lang="en-US" sz="3600" dirty="0"/>
+              <a:t>Modeling</a:t>
+            </a:r>
+            <a:endParaRPr lang="en-US" dirty="0"/>
+          </a:p>
+        </p:txBody>
+      </p:sp>
+      <p:sp>
+        <p:nvSpPr>
+          <p:cNvPr id="3" name="Text Placeholder 2">
+            <a:extLst>
+              <a:ext uri="{FF2B5EF4-FFF2-40B4-BE49-F238E27FC236}">
+                <a16:creationId xmlns:a16="http://schemas.microsoft.com/office/drawing/2014/main" id="{27D7727F-A698-A469-889B-3AFC1FBF69AA}"/>
+              </a:ext>
+            </a:extLst>
+          </p:cNvPr>
+          <p:cNvSpPr>
+            <a:spLocks noGrp="1"/>
+          </p:cNvSpPr>
+          <p:nvPr>
+            <p:ph type="body" sz="quarter" idx="13"/>
+          </p:nvPr>
+        </p:nvSpPr>
+        <p:spPr/>
+        <p:txBody>
+          <a:bodyPr/>
+          <a:lstStyle/>
+          <a:p>
+            <a:endParaRPr lang="en-US" dirty="0"/>
+          </a:p>
+        </p:txBody>
+      </p:sp>
+      <p:sp>
+        <p:nvSpPr>
+          <p:cNvPr id="5" name="Slide Number Placeholder 4">
+            <a:extLst>
+              <a:ext uri="{FF2B5EF4-FFF2-40B4-BE49-F238E27FC236}">
+                <a16:creationId xmlns:a16="http://schemas.microsoft.com/office/drawing/2014/main" id="{78CC93C2-B218-6830-03FE-8FDB940297F9}"/>
+              </a:ext>
+            </a:extLst>
+          </p:cNvPr>
+          <p:cNvSpPr>
+            <a:spLocks noGrp="1"/>
+          </p:cNvSpPr>
+          <p:nvPr>
+            <p:ph type="sldNum" sz="quarter" idx="11"/>
+          </p:nvPr>
+        </p:nvSpPr>
+        <p:spPr/>
+        <p:txBody>
+          <a:bodyPr/>
+          <a:lstStyle/>
+          <a:p>
+            <a:fld id="{B5CEABB6-07DC-46E8-9B57-56EC44A396E5}" type="slidenum">
+              <a:rPr lang="en-US" smtClean="0"/>
+              <a:pPr/>
+              <a:t>17</a:t>
+            </a:fld>
+            <a:endParaRPr lang="en-US" dirty="0"/>
+          </a:p>
+        </p:txBody>
+      </p:sp>
+      <p:pic>
+        <p:nvPicPr>
+          <p:cNvPr id="7" name="Picture 6">
+            <a:extLst>
+              <a:ext uri="{FF2B5EF4-FFF2-40B4-BE49-F238E27FC236}">
+                <a16:creationId xmlns:a16="http://schemas.microsoft.com/office/drawing/2014/main" id="{67A2FA01-A955-8F20-B969-14D07B43D2DB}"/>
+              </a:ext>
+            </a:extLst>
+          </p:cNvPr>
+          <p:cNvPicPr>
+            <a:picLocks noChangeAspect="1"/>
+          </p:cNvPicPr>
+          <p:nvPr/>
+        </p:nvPicPr>
+        <p:blipFill>
+          <a:blip r:embed="rId2"/>
+          <a:stretch>
+            <a:fillRect/>
+          </a:stretch>
+        </p:blipFill>
+        <p:spPr>
+          <a:xfrm>
+            <a:off x="1295401" y="1771650"/>
+            <a:ext cx="6025575" cy="4767262"/>
+          </a:xfrm>
+          <a:prstGeom prst="rect">
+            <a:avLst/>
+          </a:prstGeom>
+        </p:spPr>
+      </p:pic>
+    </p:spTree>
+    <p:extLst>
+      <p:ext uri="{BB962C8B-B14F-4D97-AF65-F5344CB8AC3E}">
+        <p14:creationId xmlns:p14="http://schemas.microsoft.com/office/powerpoint/2010/main" val="1459708803"/>
+      </p:ext>
+    </p:extLst>
+  </p:cSld>
+  <p:clrMapOvr>
+    <a:masterClrMapping/>
+  </p:clrMapOvr>
+</p:sld>
+</file>
+
+<file path=ppt/slides/slide18.xml><?xml version="1.0" encoding="utf-8"?>
+<p:sld xmlns:a="http://schemas.openxmlformats.org/drawingml/2006/main" xmlns:r="http://schemas.openxmlformats.org/officeDocument/2006/relationships" xmlns:p="http://schemas.openxmlformats.org/presentationml/2006/main">
+  <p:cSld>
+    <p:spTree>
+      <p:nvGrpSpPr>
+        <p:cNvPr id="1" name="">
+          <a:extLst>
+            <a:ext uri="{FF2B5EF4-FFF2-40B4-BE49-F238E27FC236}">
+              <a16:creationId xmlns:a16="http://schemas.microsoft.com/office/drawing/2014/main" id="{9C75A2D2-436A-2FAF-6680-AD5DE849713F}"/>
+            </a:ext>
+          </a:extLst>
+        </p:cNvPr>
+        <p:cNvGrpSpPr/>
+        <p:nvPr/>
+      </p:nvGrpSpPr>
+      <p:grpSpPr>
+        <a:xfrm>
+          <a:off x="0" y="0"/>
+          <a:ext cx="0" cy="0"/>
+          <a:chOff x="0" y="0"/>
+          <a:chExt cx="0" cy="0"/>
+        </a:xfrm>
+      </p:grpSpPr>
+      <p:sp>
+        <p:nvSpPr>
+          <p:cNvPr id="2" name="Title 1">
+            <a:extLst>
+              <a:ext uri="{FF2B5EF4-FFF2-40B4-BE49-F238E27FC236}">
+                <a16:creationId xmlns:a16="http://schemas.microsoft.com/office/drawing/2014/main" id="{2165D2A3-EEB3-6549-915A-E6CD75C337D1}"/>
+              </a:ext>
+            </a:extLst>
+          </p:cNvPr>
+          <p:cNvSpPr>
+            <a:spLocks noGrp="1"/>
+          </p:cNvSpPr>
+          <p:nvPr>
+            <p:ph type="ctrTitle"/>
+          </p:nvPr>
+        </p:nvSpPr>
+        <p:spPr>
+          <a:xfrm>
+            <a:off x="706410" y="1304925"/>
+            <a:ext cx="8874306" cy="819150"/>
+          </a:xfrm>
+        </p:spPr>
+        <p:txBody>
+          <a:bodyPr/>
+          <a:lstStyle/>
+          <a:p>
+            <a:r>
+              <a:rPr lang="en-US" sz="4000" dirty="0"/>
+              <a:t>Capstone Presentation</a:t>
+            </a:r>
+            <a:br>
+              <a:rPr lang="en-US" sz="4000" dirty="0"/>
+            </a:br>
+            <a:r>
+              <a:rPr lang="en-US" sz="3600" dirty="0"/>
+              <a:t>Modeling</a:t>
+            </a:r>
+            <a:br>
+              <a:rPr lang="en-US" sz="4000" dirty="0"/>
+            </a:br>
+            <a:endParaRPr lang="en-US" sz="4000" dirty="0"/>
+          </a:p>
+        </p:txBody>
+      </p:sp>
+      <p:sp>
+        <p:nvSpPr>
+          <p:cNvPr id="3" name="Subtitle 2">
+            <a:extLst>
+              <a:ext uri="{FF2B5EF4-FFF2-40B4-BE49-F238E27FC236}">
+                <a16:creationId xmlns:a16="http://schemas.microsoft.com/office/drawing/2014/main" id="{D4DD4194-4840-004B-AF6C-64E69844A63E}"/>
+              </a:ext>
+            </a:extLst>
+          </p:cNvPr>
+          <p:cNvSpPr>
+            <a:spLocks noGrp="1"/>
+          </p:cNvSpPr>
+          <p:nvPr>
+            <p:ph type="subTitle" idx="1"/>
+          </p:nvPr>
+        </p:nvSpPr>
+        <p:spPr>
+          <a:xfrm>
+            <a:off x="811185" y="2124075"/>
+            <a:ext cx="8874306" cy="3819525"/>
+          </a:xfrm>
+        </p:spPr>
+        <p:txBody>
+          <a:bodyPr/>
+          <a:lstStyle/>
+          <a:p>
+            <a:endParaRPr lang="en-US" sz="1600" dirty="0">
+              <a:solidFill>
+                <a:schemeClr val="bg1">
+                  <a:lumMod val="85000"/>
+                </a:schemeClr>
+              </a:solidFill>
+            </a:endParaRPr>
+          </a:p>
+        </p:txBody>
+      </p:sp>
+      <p:pic>
+        <p:nvPicPr>
+          <p:cNvPr id="5" name="Picture 4">
+            <a:extLst>
+              <a:ext uri="{FF2B5EF4-FFF2-40B4-BE49-F238E27FC236}">
+                <a16:creationId xmlns:a16="http://schemas.microsoft.com/office/drawing/2014/main" id="{19130660-4522-BAEC-DFE7-535526FE86F5}"/>
+              </a:ext>
+            </a:extLst>
+          </p:cNvPr>
+          <p:cNvPicPr>
+            <a:picLocks noChangeAspect="1"/>
+          </p:cNvPicPr>
+          <p:nvPr/>
+        </p:nvPicPr>
+        <p:blipFill>
+          <a:blip r:embed="rId2"/>
+          <a:stretch>
+            <a:fillRect/>
+          </a:stretch>
+        </p:blipFill>
+        <p:spPr>
+          <a:xfrm>
+            <a:off x="1471198" y="1610047"/>
+            <a:ext cx="8161905" cy="5161905"/>
+          </a:xfrm>
+          <a:prstGeom prst="rect">
+            <a:avLst/>
+          </a:prstGeom>
+        </p:spPr>
+      </p:pic>
+    </p:spTree>
+    <p:extLst>
+      <p:ext uri="{BB962C8B-B14F-4D97-AF65-F5344CB8AC3E}">
+        <p14:creationId xmlns:p14="http://schemas.microsoft.com/office/powerpoint/2010/main" val="450625294"/>
+      </p:ext>
+    </p:extLst>
+  </p:cSld>
+  <p:clrMapOvr>
+    <a:masterClrMapping/>
+  </p:clrMapOvr>
+</p:sld>
+</file>
+
+<file path=ppt/slides/slide19.xml><?xml version="1.0" encoding="utf-8"?>
+<p:sld xmlns:a="http://schemas.openxmlformats.org/drawingml/2006/main" xmlns:r="http://schemas.openxmlformats.org/officeDocument/2006/relationships" xmlns:p="http://schemas.openxmlformats.org/presentationml/2006/main">
+  <p:cSld>
+    <p:spTree>
+      <p:nvGrpSpPr>
+        <p:cNvPr id="1" name="">
+          <a:extLst>
+            <a:ext uri="{FF2B5EF4-FFF2-40B4-BE49-F238E27FC236}">
+              <a16:creationId xmlns:a16="http://schemas.microsoft.com/office/drawing/2014/main" id="{A80E14DC-92A9-1356-B59D-9B4189E46FC5}"/>
+            </a:ext>
+          </a:extLst>
+        </p:cNvPr>
+        <p:cNvGrpSpPr/>
+        <p:nvPr/>
+      </p:nvGrpSpPr>
+      <p:grpSpPr>
+        <a:xfrm>
+          <a:off x="0" y="0"/>
+          <a:ext cx="0" cy="0"/>
+          <a:chOff x="0" y="0"/>
+          <a:chExt cx="0" cy="0"/>
+        </a:xfrm>
+      </p:grpSpPr>
+      <p:sp>
+        <p:nvSpPr>
+          <p:cNvPr id="2" name="Title 1">
+            <a:extLst>
+              <a:ext uri="{FF2B5EF4-FFF2-40B4-BE49-F238E27FC236}">
+                <a16:creationId xmlns:a16="http://schemas.microsoft.com/office/drawing/2014/main" id="{04E7CCC9-982E-C64A-304D-A44257992386}"/>
+              </a:ext>
+            </a:extLst>
+          </p:cNvPr>
+          <p:cNvSpPr>
+            <a:spLocks noGrp="1"/>
+          </p:cNvSpPr>
+          <p:nvPr>
+            <p:ph type="title"/>
+          </p:nvPr>
+        </p:nvSpPr>
+        <p:spPr>
+          <a:xfrm>
+            <a:off x="811185" y="621973"/>
+            <a:ext cx="8170890" cy="961899"/>
+          </a:xfrm>
+        </p:spPr>
+        <p:txBody>
+          <a:bodyPr/>
+          <a:lstStyle/>
+          <a:p>
+            <a:r>
+              <a:rPr lang="en-US" sz="4000" dirty="0"/>
+              <a:t>Capstone Presentation</a:t>
+            </a:r>
+            <a:br>
+              <a:rPr lang="en-US" sz="4000" dirty="0"/>
+            </a:br>
+            <a:r>
+              <a:rPr lang="en-US" sz="3600" dirty="0"/>
+              <a:t>Modeling</a:t>
+            </a:r>
+            <a:endParaRPr lang="en-US" dirty="0"/>
+          </a:p>
+        </p:txBody>
+      </p:sp>
+      <p:sp>
+        <p:nvSpPr>
+          <p:cNvPr id="4" name="Text Placeholder 3">
+            <a:extLst>
+              <a:ext uri="{FF2B5EF4-FFF2-40B4-BE49-F238E27FC236}">
+                <a16:creationId xmlns:a16="http://schemas.microsoft.com/office/drawing/2014/main" id="{9244C70C-BA24-1D0A-CED1-CC0BC30D2AC3}"/>
+              </a:ext>
+            </a:extLst>
+          </p:cNvPr>
+          <p:cNvSpPr>
+            <a:spLocks noGrp="1"/>
+          </p:cNvSpPr>
+          <p:nvPr>
+            <p:ph type="body" sz="quarter" idx="16"/>
+          </p:nvPr>
+        </p:nvSpPr>
+        <p:spPr>
+          <a:xfrm>
+            <a:off x="419100" y="2505076"/>
+            <a:ext cx="5067300" cy="4048124"/>
+          </a:xfrm>
+        </p:spPr>
+        <p:txBody>
+          <a:bodyPr/>
+          <a:lstStyle/>
+          <a:p>
+            <a:endParaRPr lang="en-US" dirty="0"/>
+          </a:p>
+        </p:txBody>
+      </p:sp>
+      <p:sp>
+        <p:nvSpPr>
+          <p:cNvPr id="6" name="Text Placeholder 5">
+            <a:extLst>
+              <a:ext uri="{FF2B5EF4-FFF2-40B4-BE49-F238E27FC236}">
+                <a16:creationId xmlns:a16="http://schemas.microsoft.com/office/drawing/2014/main" id="{D51CD0F5-F428-3017-1E07-A3ED9CF3C842}"/>
+              </a:ext>
+            </a:extLst>
+          </p:cNvPr>
+          <p:cNvSpPr>
+            <a:spLocks noGrp="1"/>
+          </p:cNvSpPr>
+          <p:nvPr>
+            <p:ph type="body" sz="quarter" idx="24"/>
+          </p:nvPr>
+        </p:nvSpPr>
+        <p:spPr>
+          <a:xfrm>
+            <a:off x="5611783" y="2505076"/>
+            <a:ext cx="5770591" cy="4114799"/>
+          </a:xfrm>
+        </p:spPr>
+        <p:txBody>
+          <a:bodyPr/>
+          <a:lstStyle/>
+          <a:p>
+            <a:endParaRPr lang="en-US" dirty="0"/>
+          </a:p>
+        </p:txBody>
+      </p:sp>
+      <p:sp>
+        <p:nvSpPr>
+          <p:cNvPr id="8" name="Slide Number Placeholder 7">
+            <a:extLst>
+              <a:ext uri="{FF2B5EF4-FFF2-40B4-BE49-F238E27FC236}">
+                <a16:creationId xmlns:a16="http://schemas.microsoft.com/office/drawing/2014/main" id="{EFE7B951-F0A6-0863-7890-750223E975D9}"/>
+              </a:ext>
+            </a:extLst>
+          </p:cNvPr>
+          <p:cNvSpPr>
+            <a:spLocks noGrp="1"/>
+          </p:cNvSpPr>
+          <p:nvPr>
+            <p:ph type="sldNum" sz="quarter" idx="11"/>
+          </p:nvPr>
+        </p:nvSpPr>
+        <p:spPr/>
+        <p:txBody>
+          <a:bodyPr/>
+          <a:lstStyle/>
+          <a:p>
+            <a:fld id="{B5CEABB6-07DC-46E8-9B57-56EC44A396E5}" type="slidenum">
+              <a:rPr lang="en-US" smtClean="0"/>
+              <a:pPr/>
+              <a:t>19</a:t>
+            </a:fld>
+            <a:endParaRPr lang="en-US" dirty="0"/>
+          </a:p>
+        </p:txBody>
+      </p:sp>
+      <p:pic>
+        <p:nvPicPr>
+          <p:cNvPr id="9" name="Picture 8">
+            <a:extLst>
+              <a:ext uri="{FF2B5EF4-FFF2-40B4-BE49-F238E27FC236}">
+                <a16:creationId xmlns:a16="http://schemas.microsoft.com/office/drawing/2014/main" id="{CB255ADC-7603-2557-21AE-E2F3853DC83C}"/>
+              </a:ext>
+            </a:extLst>
+          </p:cNvPr>
+          <p:cNvPicPr>
+            <a:picLocks noChangeAspect="1"/>
+          </p:cNvPicPr>
+          <p:nvPr/>
+        </p:nvPicPr>
+        <p:blipFill>
+          <a:blip r:embed="rId2"/>
+          <a:stretch>
+            <a:fillRect/>
+          </a:stretch>
+        </p:blipFill>
+        <p:spPr>
+          <a:xfrm>
+            <a:off x="312811" y="2505076"/>
+            <a:ext cx="5279878" cy="4114799"/>
+          </a:xfrm>
+          <a:prstGeom prst="rect">
+            <a:avLst/>
+          </a:prstGeom>
+        </p:spPr>
+      </p:pic>
+      <p:pic>
+        <p:nvPicPr>
+          <p:cNvPr id="13" name="Picture 12">
+            <a:extLst>
+              <a:ext uri="{FF2B5EF4-FFF2-40B4-BE49-F238E27FC236}">
+                <a16:creationId xmlns:a16="http://schemas.microsoft.com/office/drawing/2014/main" id="{CA7B7943-DA40-D9E5-7D6F-3425157AD4F5}"/>
+              </a:ext>
+            </a:extLst>
+          </p:cNvPr>
+          <p:cNvPicPr>
+            <a:picLocks noChangeAspect="1"/>
+          </p:cNvPicPr>
+          <p:nvPr/>
+        </p:nvPicPr>
+        <p:blipFill>
+          <a:blip r:embed="rId3"/>
+          <a:stretch>
+            <a:fillRect/>
+          </a:stretch>
+        </p:blipFill>
+        <p:spPr>
+          <a:xfrm>
+            <a:off x="5833044" y="2505076"/>
+            <a:ext cx="5683397" cy="4114799"/>
+          </a:xfrm>
+          <a:prstGeom prst="rect">
+            <a:avLst/>
+          </a:prstGeom>
+        </p:spPr>
+      </p:pic>
+    </p:spTree>
+    <p:extLst>
+      <p:ext uri="{BB962C8B-B14F-4D97-AF65-F5344CB8AC3E}">
+        <p14:creationId xmlns:p14="http://schemas.microsoft.com/office/powerpoint/2010/main" val="2732186342"/>
+      </p:ext>
+    </p:extLst>
+  </p:cSld>
+  <p:clrMapOvr>
+    <a:masterClrMapping/>
+  </p:clrMapOvr>
+</p:sld>
+</file>
+
 <file path=ppt/slides/slide2.xml><?xml version="1.0" encoding="utf-8"?>
 <p:sld xmlns:a="http://schemas.openxmlformats.org/drawingml/2006/main" xmlns:r="http://schemas.openxmlformats.org/officeDocument/2006/relationships" xmlns:p="http://schemas.openxmlformats.org/presentationml/2006/main">
   <p:cSld>
@@ -8768,6 +11667,671 @@
     <p:extLst>
       <p:ext uri="{BB962C8B-B14F-4D97-AF65-F5344CB8AC3E}">
         <p14:creationId xmlns:p14="http://schemas.microsoft.com/office/powerpoint/2010/main" val="4294866199"/>
+      </p:ext>
+    </p:extLst>
+  </p:cSld>
+  <p:clrMapOvr>
+    <a:masterClrMapping/>
+  </p:clrMapOvr>
+</p:sld>
+</file>
+
+<file path=ppt/slides/slide20.xml><?xml version="1.0" encoding="utf-8"?>
+<p:sld xmlns:a="http://schemas.openxmlformats.org/drawingml/2006/main" xmlns:r="http://schemas.openxmlformats.org/officeDocument/2006/relationships" xmlns:p="http://schemas.openxmlformats.org/presentationml/2006/main">
+  <p:cSld>
+    <p:spTree>
+      <p:nvGrpSpPr>
+        <p:cNvPr id="1" name=""/>
+        <p:cNvGrpSpPr/>
+        <p:nvPr/>
+      </p:nvGrpSpPr>
+      <p:grpSpPr>
+        <a:xfrm>
+          <a:off x="0" y="0"/>
+          <a:ext cx="0" cy="0"/>
+          <a:chOff x="0" y="0"/>
+          <a:chExt cx="0" cy="0"/>
+        </a:xfrm>
+      </p:grpSpPr>
+      <p:sp>
+        <p:nvSpPr>
+          <p:cNvPr id="2" name="Title 1">
+            <a:extLst>
+              <a:ext uri="{FF2B5EF4-FFF2-40B4-BE49-F238E27FC236}">
+                <a16:creationId xmlns:a16="http://schemas.microsoft.com/office/drawing/2014/main" id="{8C9E332E-1E46-D2AF-99AC-2F038BF192E1}"/>
+              </a:ext>
+            </a:extLst>
+          </p:cNvPr>
+          <p:cNvSpPr>
+            <a:spLocks noGrp="1"/>
+          </p:cNvSpPr>
+          <p:nvPr>
+            <p:ph type="title"/>
+          </p:nvPr>
+        </p:nvSpPr>
+        <p:spPr>
+          <a:xfrm>
+            <a:off x="811184" y="621973"/>
+            <a:ext cx="6808815" cy="961899"/>
+          </a:xfrm>
+        </p:spPr>
+        <p:txBody>
+          <a:bodyPr/>
+          <a:lstStyle/>
+          <a:p>
+            <a:r>
+              <a:rPr lang="en-US" sz="4000" dirty="0"/>
+              <a:t>Capstone Presentation</a:t>
+            </a:r>
+            <a:br>
+              <a:rPr lang="en-US" sz="4000" dirty="0"/>
+            </a:br>
+            <a:r>
+              <a:rPr lang="en-US" sz="3600" dirty="0" err="1"/>
+              <a:t>Hyperparmeter</a:t>
+            </a:r>
+            <a:r>
+              <a:rPr lang="en-US" sz="3600" dirty="0"/>
+              <a:t> Tuning</a:t>
+            </a:r>
+            <a:endParaRPr lang="en-US" dirty="0"/>
+          </a:p>
+        </p:txBody>
+      </p:sp>
+      <p:sp>
+        <p:nvSpPr>
+          <p:cNvPr id="3" name="Text Placeholder 2">
+            <a:extLst>
+              <a:ext uri="{FF2B5EF4-FFF2-40B4-BE49-F238E27FC236}">
+                <a16:creationId xmlns:a16="http://schemas.microsoft.com/office/drawing/2014/main" id="{5072BF38-C098-AFBC-513A-9024BDFFF46D}"/>
+              </a:ext>
+            </a:extLst>
+          </p:cNvPr>
+          <p:cNvSpPr>
+            <a:spLocks noGrp="1"/>
+          </p:cNvSpPr>
+          <p:nvPr>
+            <p:ph type="body" sz="quarter" idx="13"/>
+          </p:nvPr>
+        </p:nvSpPr>
+        <p:spPr>
+          <a:xfrm>
+            <a:off x="1295401" y="2476500"/>
+            <a:ext cx="9201149" cy="3454400"/>
+          </a:xfrm>
+        </p:spPr>
+        <p:txBody>
+          <a:bodyPr/>
+          <a:lstStyle/>
+          <a:p>
+            <a:r>
+              <a:rPr lang="en-US" dirty="0"/>
+              <a:t>from </a:t>
+            </a:r>
+            <a:r>
+              <a:rPr lang="en-US" dirty="0" err="1"/>
+              <a:t>sklearn.model_selection</a:t>
+            </a:r>
+            <a:r>
+              <a:rPr lang="en-US" dirty="0"/>
+              <a:t> import </a:t>
+            </a:r>
+            <a:r>
+              <a:rPr lang="en-US" dirty="0" err="1"/>
+              <a:t>GridSearchCV</a:t>
+            </a:r>
+            <a:endParaRPr lang="en-US" dirty="0"/>
+          </a:p>
+          <a:p>
+            <a:r>
+              <a:rPr lang="en-US" dirty="0"/>
+              <a:t># Define the hyperparameter grid and regularization penalty ('l1' or 'l2')</a:t>
+            </a:r>
+          </a:p>
+          <a:p>
+            <a:r>
+              <a:rPr lang="en-US" dirty="0" err="1"/>
+              <a:t>param_grid</a:t>
+            </a:r>
+            <a:r>
+              <a:rPr lang="en-US" dirty="0"/>
+              <a:t> = {</a:t>
+            </a:r>
+          </a:p>
+          <a:p>
+            <a:r>
+              <a:rPr lang="en-US" dirty="0"/>
+              <a:t>    'penalty': ['l1', 'l2'], </a:t>
+            </a:r>
+          </a:p>
+          <a:p>
+            <a:r>
+              <a:rPr lang="en-US" dirty="0"/>
+              <a:t>    'C': [0.001, 0.01, 0.1, 1.0, 10.0]  </a:t>
+            </a:r>
+          </a:p>
+          <a:p>
+            <a:r>
+              <a:rPr lang="en-US" dirty="0"/>
+              <a:t>}</a:t>
+            </a:r>
+          </a:p>
+          <a:p>
+            <a:r>
+              <a:rPr lang="en-US" dirty="0"/>
+              <a:t>L1 regularization (also known as Lasso regularization) adds a penalty equal to the absolute value of the magnitude of coefficients. This can lead to sparse models where some coefficients can become zero and thus eliminated, providing a form of feature selection.</a:t>
+            </a:r>
+          </a:p>
+          <a:p>
+            <a:endParaRPr lang="en-US" dirty="0"/>
+          </a:p>
+          <a:p>
+            <a:r>
+              <a:rPr lang="en-US" dirty="0"/>
+              <a:t>L2 regularization (also known as Ridge regularization) adds a penalty equal to the square of the magnitude of coefficients. This discourages large coefficients but does not set them to zero, leading to models where all features are included but their impact is balanced.</a:t>
+            </a:r>
+          </a:p>
+          <a:p>
+            <a:endParaRPr lang="en-US" dirty="0"/>
+          </a:p>
+        </p:txBody>
+      </p:sp>
+      <p:sp>
+        <p:nvSpPr>
+          <p:cNvPr id="5" name="Slide Number Placeholder 4">
+            <a:extLst>
+              <a:ext uri="{FF2B5EF4-FFF2-40B4-BE49-F238E27FC236}">
+                <a16:creationId xmlns:a16="http://schemas.microsoft.com/office/drawing/2014/main" id="{0A39499E-DD50-DF80-699E-86D242510FA9}"/>
+              </a:ext>
+            </a:extLst>
+          </p:cNvPr>
+          <p:cNvSpPr>
+            <a:spLocks noGrp="1"/>
+          </p:cNvSpPr>
+          <p:nvPr>
+            <p:ph type="sldNum" sz="quarter" idx="11"/>
+          </p:nvPr>
+        </p:nvSpPr>
+        <p:spPr/>
+        <p:txBody>
+          <a:bodyPr/>
+          <a:lstStyle/>
+          <a:p>
+            <a:fld id="{B5CEABB6-07DC-46E8-9B57-56EC44A396E5}" type="slidenum">
+              <a:rPr lang="en-US" smtClean="0"/>
+              <a:pPr/>
+              <a:t>20</a:t>
+            </a:fld>
+            <a:endParaRPr lang="en-US" dirty="0"/>
+          </a:p>
+        </p:txBody>
+      </p:sp>
+    </p:spTree>
+    <p:extLst>
+      <p:ext uri="{BB962C8B-B14F-4D97-AF65-F5344CB8AC3E}">
+        <p14:creationId xmlns:p14="http://schemas.microsoft.com/office/powerpoint/2010/main" val="2815504345"/>
+      </p:ext>
+    </p:extLst>
+  </p:cSld>
+  <p:clrMapOvr>
+    <a:masterClrMapping/>
+  </p:clrMapOvr>
+</p:sld>
+</file>
+
+<file path=ppt/slides/slide21.xml><?xml version="1.0" encoding="utf-8"?>
+<p:sld xmlns:a="http://schemas.openxmlformats.org/drawingml/2006/main" xmlns:r="http://schemas.openxmlformats.org/officeDocument/2006/relationships" xmlns:p="http://schemas.openxmlformats.org/presentationml/2006/main">
+  <p:cSld>
+    <p:spTree>
+      <p:nvGrpSpPr>
+        <p:cNvPr id="1" name="">
+          <a:extLst>
+            <a:ext uri="{FF2B5EF4-FFF2-40B4-BE49-F238E27FC236}">
+              <a16:creationId xmlns:a16="http://schemas.microsoft.com/office/drawing/2014/main" id="{911AA188-8962-920E-3029-1BCA7A96BD17}"/>
+            </a:ext>
+          </a:extLst>
+        </p:cNvPr>
+        <p:cNvGrpSpPr/>
+        <p:nvPr/>
+      </p:nvGrpSpPr>
+      <p:grpSpPr>
+        <a:xfrm>
+          <a:off x="0" y="0"/>
+          <a:ext cx="0" cy="0"/>
+          <a:chOff x="0" y="0"/>
+          <a:chExt cx="0" cy="0"/>
+        </a:xfrm>
+      </p:grpSpPr>
+      <p:sp>
+        <p:nvSpPr>
+          <p:cNvPr id="2" name="Title 1">
+            <a:extLst>
+              <a:ext uri="{FF2B5EF4-FFF2-40B4-BE49-F238E27FC236}">
+                <a16:creationId xmlns:a16="http://schemas.microsoft.com/office/drawing/2014/main" id="{ADDF2E1E-6621-A19B-A9B8-833EC500C938}"/>
+              </a:ext>
+            </a:extLst>
+          </p:cNvPr>
+          <p:cNvSpPr>
+            <a:spLocks noGrp="1"/>
+          </p:cNvSpPr>
+          <p:nvPr>
+            <p:ph type="title"/>
+          </p:nvPr>
+        </p:nvSpPr>
+        <p:spPr>
+          <a:xfrm>
+            <a:off x="811184" y="621973"/>
+            <a:ext cx="6808815" cy="961899"/>
+          </a:xfrm>
+        </p:spPr>
+        <p:txBody>
+          <a:bodyPr/>
+          <a:lstStyle/>
+          <a:p>
+            <a:r>
+              <a:rPr lang="en-US" sz="4000" dirty="0"/>
+              <a:t>Capstone Presentation</a:t>
+            </a:r>
+            <a:br>
+              <a:rPr lang="en-US" sz="4000" dirty="0"/>
+            </a:br>
+            <a:r>
+              <a:rPr lang="en-US" sz="3600" dirty="0" err="1"/>
+              <a:t>Hyperparmeter</a:t>
+            </a:r>
+            <a:r>
+              <a:rPr lang="en-US" sz="3600" dirty="0"/>
+              <a:t> Tuning</a:t>
+            </a:r>
+            <a:endParaRPr lang="en-US" dirty="0"/>
+          </a:p>
+        </p:txBody>
+      </p:sp>
+      <p:sp>
+        <p:nvSpPr>
+          <p:cNvPr id="3" name="Text Placeholder 2">
+            <a:extLst>
+              <a:ext uri="{FF2B5EF4-FFF2-40B4-BE49-F238E27FC236}">
+                <a16:creationId xmlns:a16="http://schemas.microsoft.com/office/drawing/2014/main" id="{9B4960BB-E191-9AF6-3BC7-F894B8A951F9}"/>
+              </a:ext>
+            </a:extLst>
+          </p:cNvPr>
+          <p:cNvSpPr>
+            <a:spLocks noGrp="1"/>
+          </p:cNvSpPr>
+          <p:nvPr>
+            <p:ph type="body" sz="quarter" idx="13"/>
+          </p:nvPr>
+        </p:nvSpPr>
+        <p:spPr>
+          <a:xfrm>
+            <a:off x="1295401" y="2476500"/>
+            <a:ext cx="9201149" cy="3454400"/>
+          </a:xfrm>
+        </p:spPr>
+        <p:txBody>
+          <a:bodyPr/>
+          <a:lstStyle/>
+          <a:p>
+            <a:r>
+              <a:rPr lang="en-US" dirty="0"/>
+              <a:t>Run model again with the tuned parameters</a:t>
+            </a:r>
+          </a:p>
+          <a:p>
+            <a:r>
+              <a:rPr lang="en-US" dirty="0"/>
+              <a:t>	Best Hyperparameters: {'C': 10.0, 'penalty': 'l2’}</a:t>
+            </a:r>
+          </a:p>
+          <a:p>
+            <a:endParaRPr lang="en-US" dirty="0"/>
+          </a:p>
+          <a:p>
+            <a:endParaRPr lang="en-US" dirty="0"/>
+          </a:p>
+        </p:txBody>
+      </p:sp>
+      <p:sp>
+        <p:nvSpPr>
+          <p:cNvPr id="5" name="Slide Number Placeholder 4">
+            <a:extLst>
+              <a:ext uri="{FF2B5EF4-FFF2-40B4-BE49-F238E27FC236}">
+                <a16:creationId xmlns:a16="http://schemas.microsoft.com/office/drawing/2014/main" id="{EBC0E7DC-5695-E6B9-2C02-8A73C78D882F}"/>
+              </a:ext>
+            </a:extLst>
+          </p:cNvPr>
+          <p:cNvSpPr>
+            <a:spLocks noGrp="1"/>
+          </p:cNvSpPr>
+          <p:nvPr>
+            <p:ph type="sldNum" sz="quarter" idx="11"/>
+          </p:nvPr>
+        </p:nvSpPr>
+        <p:spPr/>
+        <p:txBody>
+          <a:bodyPr/>
+          <a:lstStyle/>
+          <a:p>
+            <a:fld id="{B5CEABB6-07DC-46E8-9B57-56EC44A396E5}" type="slidenum">
+              <a:rPr lang="en-US" smtClean="0"/>
+              <a:pPr/>
+              <a:t>21</a:t>
+            </a:fld>
+            <a:endParaRPr lang="en-US" dirty="0"/>
+          </a:p>
+        </p:txBody>
+      </p:sp>
+      <p:pic>
+        <p:nvPicPr>
+          <p:cNvPr id="7" name="Picture 6">
+            <a:extLst>
+              <a:ext uri="{FF2B5EF4-FFF2-40B4-BE49-F238E27FC236}">
+                <a16:creationId xmlns:a16="http://schemas.microsoft.com/office/drawing/2014/main" id="{233173A3-0BDC-B0A8-AE4C-8253CAA94A3C}"/>
+              </a:ext>
+            </a:extLst>
+          </p:cNvPr>
+          <p:cNvPicPr>
+            <a:picLocks noChangeAspect="1"/>
+          </p:cNvPicPr>
+          <p:nvPr/>
+        </p:nvPicPr>
+        <p:blipFill>
+          <a:blip r:embed="rId2"/>
+          <a:stretch>
+            <a:fillRect/>
+          </a:stretch>
+        </p:blipFill>
+        <p:spPr>
+          <a:xfrm>
+            <a:off x="2243400" y="3423017"/>
+            <a:ext cx="4200000" cy="2933333"/>
+          </a:xfrm>
+          <a:prstGeom prst="rect">
+            <a:avLst/>
+          </a:prstGeom>
+        </p:spPr>
+      </p:pic>
+    </p:spTree>
+    <p:extLst>
+      <p:ext uri="{BB962C8B-B14F-4D97-AF65-F5344CB8AC3E}">
+        <p14:creationId xmlns:p14="http://schemas.microsoft.com/office/powerpoint/2010/main" val="2632153341"/>
+      </p:ext>
+    </p:extLst>
+  </p:cSld>
+  <p:clrMapOvr>
+    <a:masterClrMapping/>
+  </p:clrMapOvr>
+</p:sld>
+</file>
+
+<file path=ppt/slides/slide22.xml><?xml version="1.0" encoding="utf-8"?>
+<p:sld xmlns:a="http://schemas.openxmlformats.org/drawingml/2006/main" xmlns:r="http://schemas.openxmlformats.org/officeDocument/2006/relationships" xmlns:p="http://schemas.openxmlformats.org/presentationml/2006/main">
+  <p:cSld>
+    <p:spTree>
+      <p:nvGrpSpPr>
+        <p:cNvPr id="1" name="">
+          <a:extLst>
+            <a:ext uri="{FF2B5EF4-FFF2-40B4-BE49-F238E27FC236}">
+              <a16:creationId xmlns:a16="http://schemas.microsoft.com/office/drawing/2014/main" id="{65BB4465-CE84-B245-CA02-32DC03AA3E31}"/>
+            </a:ext>
+          </a:extLst>
+        </p:cNvPr>
+        <p:cNvGrpSpPr/>
+        <p:nvPr/>
+      </p:nvGrpSpPr>
+      <p:grpSpPr>
+        <a:xfrm>
+          <a:off x="0" y="0"/>
+          <a:ext cx="0" cy="0"/>
+          <a:chOff x="0" y="0"/>
+          <a:chExt cx="0" cy="0"/>
+        </a:xfrm>
+      </p:grpSpPr>
+      <p:sp>
+        <p:nvSpPr>
+          <p:cNvPr id="2" name="Title 1">
+            <a:extLst>
+              <a:ext uri="{FF2B5EF4-FFF2-40B4-BE49-F238E27FC236}">
+                <a16:creationId xmlns:a16="http://schemas.microsoft.com/office/drawing/2014/main" id="{E469DF03-C64E-9C79-8220-99BFB8908C9D}"/>
+              </a:ext>
+            </a:extLst>
+          </p:cNvPr>
+          <p:cNvSpPr>
+            <a:spLocks noGrp="1"/>
+          </p:cNvSpPr>
+          <p:nvPr>
+            <p:ph type="title"/>
+          </p:nvPr>
+        </p:nvSpPr>
+        <p:spPr>
+          <a:xfrm>
+            <a:off x="811184" y="621973"/>
+            <a:ext cx="6808815" cy="961899"/>
+          </a:xfrm>
+        </p:spPr>
+        <p:txBody>
+          <a:bodyPr/>
+          <a:lstStyle/>
+          <a:p>
+            <a:r>
+              <a:rPr lang="en-US" sz="4000" dirty="0"/>
+              <a:t>Capstone Presentation</a:t>
+            </a:r>
+            <a:br>
+              <a:rPr lang="en-US" sz="4000" dirty="0"/>
+            </a:br>
+            <a:r>
+              <a:rPr lang="en-US" sz="3600" dirty="0"/>
+              <a:t>Summary</a:t>
+            </a:r>
+            <a:endParaRPr lang="en-US" dirty="0"/>
+          </a:p>
+        </p:txBody>
+      </p:sp>
+      <p:sp>
+        <p:nvSpPr>
+          <p:cNvPr id="3" name="Text Placeholder 2">
+            <a:extLst>
+              <a:ext uri="{FF2B5EF4-FFF2-40B4-BE49-F238E27FC236}">
+                <a16:creationId xmlns:a16="http://schemas.microsoft.com/office/drawing/2014/main" id="{EEF86FE9-D87D-5421-CA26-034C19E38369}"/>
+              </a:ext>
+            </a:extLst>
+          </p:cNvPr>
+          <p:cNvSpPr>
+            <a:spLocks noGrp="1"/>
+          </p:cNvSpPr>
+          <p:nvPr>
+            <p:ph type="body" sz="quarter" idx="13"/>
+          </p:nvPr>
+        </p:nvSpPr>
+        <p:spPr>
+          <a:xfrm>
+            <a:off x="1295401" y="2476500"/>
+            <a:ext cx="9201149" cy="3454400"/>
+          </a:xfrm>
+        </p:spPr>
+        <p:txBody>
+          <a:bodyPr/>
+          <a:lstStyle/>
+          <a:p>
+            <a:pPr marL="285750" indent="-285750">
+              <a:buFont typeface="Arial" panose="020B0604020202020204" pitchFamily="34" charset="0"/>
+              <a:buChar char="•"/>
+            </a:pPr>
+            <a:r>
+              <a:rPr lang="en-US" sz="2000" dirty="0"/>
+              <a:t>Want to choose a model that minimized false positives</a:t>
+            </a:r>
+          </a:p>
+          <a:p>
+            <a:pPr marL="285750" indent="-285750">
+              <a:buFont typeface="Arial" panose="020B0604020202020204" pitchFamily="34" charset="0"/>
+              <a:buChar char="•"/>
+            </a:pPr>
+            <a:r>
+              <a:rPr lang="en-US" sz="2000" dirty="0"/>
+              <a:t>Want to reduce medical testing a patient needs to endure</a:t>
+            </a:r>
+          </a:p>
+          <a:p>
+            <a:pPr marL="285750" indent="-285750">
+              <a:buFont typeface="Arial" panose="020B0604020202020204" pitchFamily="34" charset="0"/>
+              <a:buChar char="•"/>
+            </a:pPr>
+            <a:r>
+              <a:rPr lang="en-US" sz="2000" dirty="0"/>
+              <a:t>Want to reduce the cost of unnecessary testing</a:t>
+            </a:r>
+          </a:p>
+          <a:p>
+            <a:pPr marL="285750" indent="-285750">
+              <a:buFont typeface="Arial" panose="020B0604020202020204" pitchFamily="34" charset="0"/>
+              <a:buChar char="•"/>
+            </a:pPr>
+            <a:r>
+              <a:rPr lang="en-US" sz="2000" dirty="0"/>
+              <a:t>Logistical regression produced the fewest false positives</a:t>
+            </a:r>
+          </a:p>
+          <a:p>
+            <a:pPr marL="285750" indent="-285750">
+              <a:buFont typeface="Arial" panose="020B0604020202020204" pitchFamily="34" charset="0"/>
+              <a:buChar char="•"/>
+            </a:pPr>
+            <a:r>
+              <a:rPr lang="en-US" sz="2000" dirty="0"/>
+              <a:t>Logistical regression was the model chosen </a:t>
+            </a:r>
+          </a:p>
+        </p:txBody>
+      </p:sp>
+      <p:sp>
+        <p:nvSpPr>
+          <p:cNvPr id="5" name="Slide Number Placeholder 4">
+            <a:extLst>
+              <a:ext uri="{FF2B5EF4-FFF2-40B4-BE49-F238E27FC236}">
+                <a16:creationId xmlns:a16="http://schemas.microsoft.com/office/drawing/2014/main" id="{42C57B4E-502E-4263-CEBF-5A38059027FC}"/>
+              </a:ext>
+            </a:extLst>
+          </p:cNvPr>
+          <p:cNvSpPr>
+            <a:spLocks noGrp="1"/>
+          </p:cNvSpPr>
+          <p:nvPr>
+            <p:ph type="sldNum" sz="quarter" idx="11"/>
+          </p:nvPr>
+        </p:nvSpPr>
+        <p:spPr/>
+        <p:txBody>
+          <a:bodyPr/>
+          <a:lstStyle/>
+          <a:p>
+            <a:fld id="{B5CEABB6-07DC-46E8-9B57-56EC44A396E5}" type="slidenum">
+              <a:rPr lang="en-US" smtClean="0"/>
+              <a:pPr/>
+              <a:t>22</a:t>
+            </a:fld>
+            <a:endParaRPr lang="en-US" dirty="0"/>
+          </a:p>
+        </p:txBody>
+      </p:sp>
+    </p:spTree>
+    <p:extLst>
+      <p:ext uri="{BB962C8B-B14F-4D97-AF65-F5344CB8AC3E}">
+        <p14:creationId xmlns:p14="http://schemas.microsoft.com/office/powerpoint/2010/main" val="2481930482"/>
+      </p:ext>
+    </p:extLst>
+  </p:cSld>
+  <p:clrMapOvr>
+    <a:masterClrMapping/>
+  </p:clrMapOvr>
+</p:sld>
+</file>
+
+<file path=ppt/slides/slide23.xml><?xml version="1.0" encoding="utf-8"?>
+<p:sld xmlns:a="http://schemas.openxmlformats.org/drawingml/2006/main" xmlns:r="http://schemas.openxmlformats.org/officeDocument/2006/relationships" xmlns:p="http://schemas.openxmlformats.org/presentationml/2006/main">
+  <p:cSld>
+    <p:spTree>
+      <p:nvGrpSpPr>
+        <p:cNvPr id="1" name=""/>
+        <p:cNvGrpSpPr/>
+        <p:nvPr/>
+      </p:nvGrpSpPr>
+      <p:grpSpPr>
+        <a:xfrm>
+          <a:off x="0" y="0"/>
+          <a:ext cx="0" cy="0"/>
+          <a:chOff x="0" y="0"/>
+          <a:chExt cx="0" cy="0"/>
+        </a:xfrm>
+      </p:grpSpPr>
+      <p:sp>
+        <p:nvSpPr>
+          <p:cNvPr id="11" name="Title 10">
+            <a:extLst>
+              <a:ext uri="{FF2B5EF4-FFF2-40B4-BE49-F238E27FC236}">
+                <a16:creationId xmlns:a16="http://schemas.microsoft.com/office/drawing/2014/main" id="{CCE595D9-27F3-FE1C-9A37-0F9F7903022E}"/>
+              </a:ext>
+            </a:extLst>
+          </p:cNvPr>
+          <p:cNvSpPr>
+            <a:spLocks noGrp="1"/>
+          </p:cNvSpPr>
+          <p:nvPr>
+            <p:ph type="ctrTitle"/>
+          </p:nvPr>
+        </p:nvSpPr>
+        <p:spPr/>
+        <p:txBody>
+          <a:bodyPr/>
+          <a:lstStyle/>
+          <a:p>
+            <a:r>
+              <a:rPr lang="en-US" dirty="0"/>
+              <a:t>Thank you</a:t>
+            </a:r>
+          </a:p>
+        </p:txBody>
+      </p:sp>
+      <p:sp>
+        <p:nvSpPr>
+          <p:cNvPr id="3" name="Subtitle 2">
+            <a:extLst>
+              <a:ext uri="{FF2B5EF4-FFF2-40B4-BE49-F238E27FC236}">
+                <a16:creationId xmlns:a16="http://schemas.microsoft.com/office/drawing/2014/main" id="{8CFA4869-4108-EB15-4EB0-B65C291C5D97}"/>
+              </a:ext>
+            </a:extLst>
+          </p:cNvPr>
+          <p:cNvSpPr>
+            <a:spLocks noGrp="1"/>
+          </p:cNvSpPr>
+          <p:nvPr>
+            <p:ph type="subTitle" idx="1"/>
+          </p:nvPr>
+        </p:nvSpPr>
+        <p:spPr/>
+        <p:txBody>
+          <a:bodyPr/>
+          <a:lstStyle/>
+          <a:p>
+            <a:r>
+              <a:rPr lang="en-US" dirty="0"/>
+              <a:t>Ron Hankey</a:t>
+            </a:r>
+          </a:p>
+          <a:p>
+            <a:r>
+              <a:rPr lang="en-US" dirty="0"/>
+              <a:t>Hankey.Ronald@mayo.edu</a:t>
+            </a:r>
+          </a:p>
+        </p:txBody>
+      </p:sp>
+    </p:spTree>
+    <p:extLst>
+      <p:ext uri="{BB962C8B-B14F-4D97-AF65-F5344CB8AC3E}">
+        <p14:creationId xmlns:p14="http://schemas.microsoft.com/office/powerpoint/2010/main" val="3784505952"/>
       </p:ext>
     </p:extLst>
   </p:cSld>
@@ -9808,7 +13372,13 @@
   <p:cSld>
     <p:spTree>
       <p:nvGrpSpPr>
-        <p:cNvPr id="1" name=""/>
+        <p:cNvPr id="1" name="">
+          <a:extLst>
+            <a:ext uri="{FF2B5EF4-FFF2-40B4-BE49-F238E27FC236}">
+              <a16:creationId xmlns:a16="http://schemas.microsoft.com/office/drawing/2014/main" id="{BD137386-9563-B7AF-9162-AA81958618BC}"/>
+            </a:ext>
+          </a:extLst>
+        </p:cNvPr>
         <p:cNvGrpSpPr/>
         <p:nvPr/>
       </p:nvGrpSpPr>
@@ -9825,314 +13395,90 @@
           <p:cNvPr id="2" name="Title 1">
             <a:extLst>
               <a:ext uri="{FF2B5EF4-FFF2-40B4-BE49-F238E27FC236}">
-                <a16:creationId xmlns:a16="http://schemas.microsoft.com/office/drawing/2014/main" id="{5B66F444-1FD6-95C7-94E5-17F19603F140}"/>
-              </a:ext>
-            </a:extLst>
-          </p:cNvPr>
-          <p:cNvSpPr>
-            <a:spLocks noGrp="1"/>
-          </p:cNvSpPr>
-          <p:nvPr>
-            <p:ph type="title"/>
-          </p:nvPr>
-        </p:nvSpPr>
-        <p:spPr/>
+                <a16:creationId xmlns:a16="http://schemas.microsoft.com/office/drawing/2014/main" id="{C9650D89-AE87-B8FB-2980-8C89D4693133}"/>
+              </a:ext>
+            </a:extLst>
+          </p:cNvPr>
+          <p:cNvSpPr>
+            <a:spLocks noGrp="1"/>
+          </p:cNvSpPr>
+          <p:nvPr>
+            <p:ph type="ctrTitle"/>
+          </p:nvPr>
+        </p:nvSpPr>
+        <p:spPr>
+          <a:xfrm>
+            <a:off x="706410" y="1304925"/>
+            <a:ext cx="8874306" cy="819150"/>
+          </a:xfrm>
+        </p:spPr>
         <p:txBody>
           <a:bodyPr/>
           <a:lstStyle/>
           <a:p>
-            <a:endParaRPr lang="en-US" dirty="0"/>
-          </a:p>
-        </p:txBody>
-      </p:sp>
-      <p:sp>
-        <p:nvSpPr>
-          <p:cNvPr id="3" name="Text Placeholder 2">
-            <a:extLst>
-              <a:ext uri="{FF2B5EF4-FFF2-40B4-BE49-F238E27FC236}">
-                <a16:creationId xmlns:a16="http://schemas.microsoft.com/office/drawing/2014/main" id="{4ACA5899-1379-4ABC-688B-3B3144BBB695}"/>
-              </a:ext>
-            </a:extLst>
-          </p:cNvPr>
-          <p:cNvSpPr>
-            <a:spLocks noGrp="1"/>
-          </p:cNvSpPr>
-          <p:nvPr>
-            <p:ph type="body" sz="quarter" idx="13"/>
-          </p:nvPr>
-        </p:nvSpPr>
-        <p:spPr/>
+            <a:r>
+              <a:rPr lang="en-US" sz="4000" dirty="0"/>
+              <a:t>Capstone Presentation</a:t>
+            </a:r>
+            <a:br>
+              <a:rPr lang="en-US" sz="4000" dirty="0"/>
+            </a:br>
+            <a:r>
+              <a:rPr lang="en-US" sz="4000" dirty="0"/>
+              <a:t>Goal</a:t>
+            </a:r>
+            <a:br>
+              <a:rPr lang="en-US" sz="4000" dirty="0"/>
+            </a:br>
+            <a:endParaRPr lang="en-US" sz="4000" dirty="0"/>
+          </a:p>
+        </p:txBody>
+      </p:sp>
+      <p:sp>
+        <p:nvSpPr>
+          <p:cNvPr id="3" name="Subtitle 2">
+            <a:extLst>
+              <a:ext uri="{FF2B5EF4-FFF2-40B4-BE49-F238E27FC236}">
+                <a16:creationId xmlns:a16="http://schemas.microsoft.com/office/drawing/2014/main" id="{F968AFE4-36F3-C84F-4DCF-DB631D64BF04}"/>
+              </a:ext>
+            </a:extLst>
+          </p:cNvPr>
+          <p:cNvSpPr>
+            <a:spLocks noGrp="1"/>
+          </p:cNvSpPr>
+          <p:nvPr>
+            <p:ph type="subTitle" idx="1"/>
+          </p:nvPr>
+        </p:nvSpPr>
+        <p:spPr>
+          <a:xfrm>
+            <a:off x="811185" y="2818356"/>
+            <a:ext cx="8874306" cy="3125244"/>
+          </a:xfrm>
+        </p:spPr>
         <p:txBody>
           <a:bodyPr/>
           <a:lstStyle/>
           <a:p>
-            <a:endParaRPr lang="en-US"/>
-          </a:p>
-        </p:txBody>
-      </p:sp>
-      <p:sp>
-        <p:nvSpPr>
-          <p:cNvPr id="4" name="Text Placeholder 3">
-            <a:extLst>
-              <a:ext uri="{FF2B5EF4-FFF2-40B4-BE49-F238E27FC236}">
-                <a16:creationId xmlns:a16="http://schemas.microsoft.com/office/drawing/2014/main" id="{13466FF0-417D-0ABB-7607-ABF91EA7CCF1}"/>
-              </a:ext>
-            </a:extLst>
-          </p:cNvPr>
-          <p:cNvSpPr>
-            <a:spLocks noGrp="1"/>
-          </p:cNvSpPr>
-          <p:nvPr>
-            <p:ph type="body" sz="quarter" idx="20"/>
-          </p:nvPr>
-        </p:nvSpPr>
-        <p:spPr/>
-        <p:txBody>
-          <a:bodyPr/>
-          <a:lstStyle/>
-          <a:p>
-            <a:endParaRPr lang="en-US"/>
-          </a:p>
-        </p:txBody>
-      </p:sp>
-      <p:sp>
-        <p:nvSpPr>
-          <p:cNvPr id="5" name="Text Placeholder 4">
-            <a:extLst>
-              <a:ext uri="{FF2B5EF4-FFF2-40B4-BE49-F238E27FC236}">
-                <a16:creationId xmlns:a16="http://schemas.microsoft.com/office/drawing/2014/main" id="{BE9EA967-52F6-69EE-8C69-DE1911F2C83F}"/>
-              </a:ext>
-            </a:extLst>
-          </p:cNvPr>
-          <p:cNvSpPr>
-            <a:spLocks noGrp="1"/>
-          </p:cNvSpPr>
-          <p:nvPr>
-            <p:ph type="body" sz="quarter" idx="17"/>
-          </p:nvPr>
-        </p:nvSpPr>
-        <p:spPr/>
-        <p:txBody>
-          <a:bodyPr/>
-          <a:lstStyle/>
-          <a:p>
-            <a:endParaRPr lang="en-US"/>
-          </a:p>
-        </p:txBody>
-      </p:sp>
-      <p:sp>
-        <p:nvSpPr>
-          <p:cNvPr id="6" name="Text Placeholder 5">
-            <a:extLst>
-              <a:ext uri="{FF2B5EF4-FFF2-40B4-BE49-F238E27FC236}">
-                <a16:creationId xmlns:a16="http://schemas.microsoft.com/office/drawing/2014/main" id="{AEFE1F3C-6374-560E-C3F4-675D8FB70CE7}"/>
-              </a:ext>
-            </a:extLst>
-          </p:cNvPr>
-          <p:cNvSpPr>
-            <a:spLocks noGrp="1"/>
-          </p:cNvSpPr>
-          <p:nvPr>
-            <p:ph type="body" sz="quarter" idx="15"/>
-          </p:nvPr>
-        </p:nvSpPr>
-        <p:spPr/>
-        <p:txBody>
-          <a:bodyPr/>
-          <a:lstStyle/>
-          <a:p>
-            <a:endParaRPr lang="en-US"/>
-          </a:p>
-        </p:txBody>
-      </p:sp>
-      <p:sp>
-        <p:nvSpPr>
-          <p:cNvPr id="7" name="Text Placeholder 6">
-            <a:extLst>
-              <a:ext uri="{FF2B5EF4-FFF2-40B4-BE49-F238E27FC236}">
-                <a16:creationId xmlns:a16="http://schemas.microsoft.com/office/drawing/2014/main" id="{052B2079-DB93-55E7-A50D-CD4909E86724}"/>
-              </a:ext>
-            </a:extLst>
-          </p:cNvPr>
-          <p:cNvSpPr>
-            <a:spLocks noGrp="1"/>
-          </p:cNvSpPr>
-          <p:nvPr>
-            <p:ph type="body" sz="quarter" idx="21"/>
-          </p:nvPr>
-        </p:nvSpPr>
-        <p:spPr/>
-        <p:txBody>
-          <a:bodyPr/>
-          <a:lstStyle/>
-          <a:p>
-            <a:endParaRPr lang="en-US"/>
-          </a:p>
-        </p:txBody>
-      </p:sp>
-      <p:sp>
-        <p:nvSpPr>
-          <p:cNvPr id="8" name="Text Placeholder 7">
-            <a:extLst>
-              <a:ext uri="{FF2B5EF4-FFF2-40B4-BE49-F238E27FC236}">
-                <a16:creationId xmlns:a16="http://schemas.microsoft.com/office/drawing/2014/main" id="{D0D226C4-532E-C3A8-1760-BEA6A770DDEE}"/>
-              </a:ext>
-            </a:extLst>
-          </p:cNvPr>
-          <p:cNvSpPr>
-            <a:spLocks noGrp="1"/>
-          </p:cNvSpPr>
-          <p:nvPr>
-            <p:ph type="body" sz="quarter" idx="18"/>
-          </p:nvPr>
-        </p:nvSpPr>
-        <p:spPr/>
-        <p:txBody>
-          <a:bodyPr/>
-          <a:lstStyle/>
-          <a:p>
-            <a:endParaRPr lang="en-US"/>
-          </a:p>
-        </p:txBody>
-      </p:sp>
-      <p:sp>
-        <p:nvSpPr>
-          <p:cNvPr id="9" name="Text Placeholder 8">
-            <a:extLst>
-              <a:ext uri="{FF2B5EF4-FFF2-40B4-BE49-F238E27FC236}">
-                <a16:creationId xmlns:a16="http://schemas.microsoft.com/office/drawing/2014/main" id="{A2268542-7E5D-F8E4-68A5-11190056F5EE}"/>
-              </a:ext>
-            </a:extLst>
-          </p:cNvPr>
-          <p:cNvSpPr>
-            <a:spLocks noGrp="1"/>
-          </p:cNvSpPr>
-          <p:nvPr>
-            <p:ph type="body" sz="quarter" idx="16"/>
-          </p:nvPr>
-        </p:nvSpPr>
-        <p:spPr/>
-        <p:txBody>
-          <a:bodyPr/>
-          <a:lstStyle/>
-          <a:p>
-            <a:endParaRPr lang="en-US"/>
-          </a:p>
-        </p:txBody>
-      </p:sp>
-      <p:sp>
-        <p:nvSpPr>
-          <p:cNvPr id="10" name="Text Placeholder 9">
-            <a:extLst>
-              <a:ext uri="{FF2B5EF4-FFF2-40B4-BE49-F238E27FC236}">
-                <a16:creationId xmlns:a16="http://schemas.microsoft.com/office/drawing/2014/main" id="{E60FAE73-F859-7104-E2D7-C202E6DAAD25}"/>
-              </a:ext>
-            </a:extLst>
-          </p:cNvPr>
-          <p:cNvSpPr>
-            <a:spLocks noGrp="1"/>
-          </p:cNvSpPr>
-          <p:nvPr>
-            <p:ph type="body" sz="quarter" idx="22"/>
-          </p:nvPr>
-        </p:nvSpPr>
-        <p:spPr/>
-        <p:txBody>
-          <a:bodyPr/>
-          <a:lstStyle/>
-          <a:p>
-            <a:endParaRPr lang="en-US"/>
-          </a:p>
-        </p:txBody>
-      </p:sp>
-      <p:sp>
-        <p:nvSpPr>
-          <p:cNvPr id="11" name="Text Placeholder 10">
-            <a:extLst>
-              <a:ext uri="{FF2B5EF4-FFF2-40B4-BE49-F238E27FC236}">
-                <a16:creationId xmlns:a16="http://schemas.microsoft.com/office/drawing/2014/main" id="{EC179F31-FFBE-97AA-B308-C55929C9ED84}"/>
-              </a:ext>
-            </a:extLst>
-          </p:cNvPr>
-          <p:cNvSpPr>
-            <a:spLocks noGrp="1"/>
-          </p:cNvSpPr>
-          <p:nvPr>
-            <p:ph type="body" sz="quarter" idx="19"/>
-          </p:nvPr>
-        </p:nvSpPr>
-        <p:spPr/>
-        <p:txBody>
-          <a:bodyPr/>
-          <a:lstStyle/>
-          <a:p>
-            <a:endParaRPr lang="en-US"/>
-          </a:p>
-        </p:txBody>
-      </p:sp>
-      <p:sp>
-        <p:nvSpPr>
-          <p:cNvPr id="12" name="Footer Placeholder 11">
-            <a:extLst>
-              <a:ext uri="{FF2B5EF4-FFF2-40B4-BE49-F238E27FC236}">
-                <a16:creationId xmlns:a16="http://schemas.microsoft.com/office/drawing/2014/main" id="{3685CCCB-169F-46F3-8C42-344DB0F165C9}"/>
-              </a:ext>
-            </a:extLst>
-          </p:cNvPr>
-          <p:cNvSpPr>
-            <a:spLocks noGrp="1"/>
-          </p:cNvSpPr>
-          <p:nvPr>
-            <p:ph type="ftr" sz="quarter" idx="10"/>
-          </p:nvPr>
-        </p:nvSpPr>
-        <p:spPr/>
-        <p:txBody>
-          <a:bodyPr/>
-          <a:lstStyle/>
-          <a:p>
-            <a:r>
-              <a:rPr lang="en-US"/>
-              <a:t>PRESENTATION TITLE</a:t>
-            </a:r>
-            <a:endParaRPr lang="en-US" dirty="0"/>
-          </a:p>
-        </p:txBody>
-      </p:sp>
-      <p:sp>
-        <p:nvSpPr>
-          <p:cNvPr id="13" name="Slide Number Placeholder 12">
-            <a:extLst>
-              <a:ext uri="{FF2B5EF4-FFF2-40B4-BE49-F238E27FC236}">
-                <a16:creationId xmlns:a16="http://schemas.microsoft.com/office/drawing/2014/main" id="{9586A798-4CC2-D2B7-D966-FF1E5ADD6D5B}"/>
-              </a:ext>
-            </a:extLst>
-          </p:cNvPr>
-          <p:cNvSpPr>
-            <a:spLocks noGrp="1"/>
-          </p:cNvSpPr>
-          <p:nvPr>
-            <p:ph type="sldNum" sz="quarter" idx="11"/>
-          </p:nvPr>
-        </p:nvSpPr>
-        <p:spPr/>
-        <p:txBody>
-          <a:bodyPr/>
-          <a:lstStyle/>
-          <a:p>
-            <a:fld id="{B5CEABB6-07DC-46E8-9B57-56EC44A396E5}" type="slidenum">
-              <a:rPr lang="en-US" smtClean="0"/>
-              <a:pPr/>
-              <a:t>7</a:t>
-            </a:fld>
-            <a:endParaRPr lang="en-US" dirty="0"/>
+            <a:pPr marL="342900" indent="-342900">
+              <a:buFont typeface="Arial" panose="020B0604020202020204" pitchFamily="34" charset="0"/>
+              <a:buChar char="•"/>
+            </a:pPr>
+            <a:r>
+              <a:rPr lang="en-US" dirty="0">
+                <a:solidFill>
+                  <a:schemeClr val="bg1"/>
+                </a:solidFill>
+              </a:rPr>
+              <a:t>Build a machine learning model to predict whether patient may be at risk for having diabetes. </a:t>
+            </a:r>
           </a:p>
         </p:txBody>
       </p:sp>
     </p:spTree>
     <p:extLst>
       <p:ext uri="{BB962C8B-B14F-4D97-AF65-F5344CB8AC3E}">
-        <p14:creationId xmlns:p14="http://schemas.microsoft.com/office/powerpoint/2010/main" val="900328945"/>
+        <p14:creationId xmlns:p14="http://schemas.microsoft.com/office/powerpoint/2010/main" val="1090704368"/>
       </p:ext>
     </p:extLst>
   </p:cSld>
@@ -10143,6 +13489,197 @@
 </file>
 
 <file path=ppt/slides/slide8.xml><?xml version="1.0" encoding="utf-8"?>
+<p:sld xmlns:a="http://schemas.openxmlformats.org/drawingml/2006/main" xmlns:r="http://schemas.openxmlformats.org/officeDocument/2006/relationships" xmlns:p="http://schemas.openxmlformats.org/presentationml/2006/main">
+  <p:cSld>
+    <p:spTree>
+      <p:nvGrpSpPr>
+        <p:cNvPr id="1" name="">
+          <a:extLst>
+            <a:ext uri="{FF2B5EF4-FFF2-40B4-BE49-F238E27FC236}">
+              <a16:creationId xmlns:a16="http://schemas.microsoft.com/office/drawing/2014/main" id="{96BD05AC-9CDE-C9C5-7815-F32581D55313}"/>
+            </a:ext>
+          </a:extLst>
+        </p:cNvPr>
+        <p:cNvGrpSpPr/>
+        <p:nvPr/>
+      </p:nvGrpSpPr>
+      <p:grpSpPr>
+        <a:xfrm>
+          <a:off x="0" y="0"/>
+          <a:ext cx="0" cy="0"/>
+          <a:chOff x="0" y="0"/>
+          <a:chExt cx="0" cy="0"/>
+        </a:xfrm>
+      </p:grpSpPr>
+      <p:sp>
+        <p:nvSpPr>
+          <p:cNvPr id="2" name="Title 1">
+            <a:extLst>
+              <a:ext uri="{FF2B5EF4-FFF2-40B4-BE49-F238E27FC236}">
+                <a16:creationId xmlns:a16="http://schemas.microsoft.com/office/drawing/2014/main" id="{540D727B-3694-8601-644A-BEA5B000AA6F}"/>
+              </a:ext>
+            </a:extLst>
+          </p:cNvPr>
+          <p:cNvSpPr>
+            <a:spLocks noGrp="1"/>
+          </p:cNvSpPr>
+          <p:nvPr>
+            <p:ph type="ctrTitle"/>
+          </p:nvPr>
+        </p:nvSpPr>
+        <p:spPr>
+          <a:xfrm>
+            <a:off x="706410" y="1304925"/>
+            <a:ext cx="8874306" cy="819150"/>
+          </a:xfrm>
+        </p:spPr>
+        <p:txBody>
+          <a:bodyPr/>
+          <a:lstStyle/>
+          <a:p>
+            <a:r>
+              <a:rPr lang="en-US" sz="4000" dirty="0"/>
+              <a:t>Capstone Presentation</a:t>
+            </a:r>
+            <a:br>
+              <a:rPr lang="en-US" sz="4000" dirty="0"/>
+            </a:br>
+            <a:r>
+              <a:rPr lang="en-US" sz="4000" dirty="0"/>
+              <a:t>Data Source</a:t>
+            </a:r>
+            <a:br>
+              <a:rPr lang="en-US" sz="4000" dirty="0"/>
+            </a:br>
+            <a:endParaRPr lang="en-US" sz="4000" dirty="0"/>
+          </a:p>
+        </p:txBody>
+      </p:sp>
+      <p:sp>
+        <p:nvSpPr>
+          <p:cNvPr id="3" name="Subtitle 2">
+            <a:extLst>
+              <a:ext uri="{FF2B5EF4-FFF2-40B4-BE49-F238E27FC236}">
+                <a16:creationId xmlns:a16="http://schemas.microsoft.com/office/drawing/2014/main" id="{97C0ECBF-391B-3065-BFBC-95E83950F747}"/>
+              </a:ext>
+            </a:extLst>
+          </p:cNvPr>
+          <p:cNvSpPr>
+            <a:spLocks noGrp="1"/>
+          </p:cNvSpPr>
+          <p:nvPr>
+            <p:ph type="subTitle" idx="1"/>
+          </p:nvPr>
+        </p:nvSpPr>
+        <p:spPr>
+          <a:xfrm>
+            <a:off x="811185" y="2818356"/>
+            <a:ext cx="8874306" cy="3125244"/>
+          </a:xfrm>
+        </p:spPr>
+        <p:txBody>
+          <a:bodyPr/>
+          <a:lstStyle/>
+          <a:p>
+            <a:pPr marL="342900" indent="-342900">
+              <a:buFont typeface="Arial" panose="020B0604020202020204" pitchFamily="34" charset="0"/>
+              <a:buChar char="•"/>
+            </a:pPr>
+            <a:r>
+              <a:rPr lang="en-US" dirty="0">
+                <a:solidFill>
+                  <a:schemeClr val="bg1"/>
+                </a:solidFill>
+              </a:rPr>
+              <a:t>UC Irvine Machine Learning Repository</a:t>
+            </a:r>
+          </a:p>
+          <a:p>
+            <a:pPr marL="342900" indent="-342900">
+              <a:buFont typeface="Arial" panose="020B0604020202020204" pitchFamily="34" charset="0"/>
+              <a:buChar char="•"/>
+            </a:pPr>
+            <a:r>
+              <a:rPr lang="en-US" dirty="0">
+                <a:solidFill>
+                  <a:schemeClr val="bg1"/>
+                </a:solidFill>
+              </a:rPr>
+              <a:t>Compiled by the Centers for Disease Control (CDC)</a:t>
+            </a:r>
+          </a:p>
+          <a:p>
+            <a:pPr marL="342900" indent="-342900">
+              <a:buFont typeface="Arial" panose="020B0604020202020204" pitchFamily="34" charset="0"/>
+              <a:buChar char="•"/>
+            </a:pPr>
+            <a:r>
+              <a:rPr lang="en-US" dirty="0">
+                <a:solidFill>
+                  <a:schemeClr val="bg1"/>
+                </a:solidFill>
+              </a:rPr>
+              <a:t>Contains healthcare statistics and lifestyle survey information</a:t>
+            </a:r>
+          </a:p>
+          <a:p>
+            <a:pPr marL="342900" indent="-342900">
+              <a:buFont typeface="Arial" panose="020B0604020202020204" pitchFamily="34" charset="0"/>
+              <a:buChar char="•"/>
+            </a:pPr>
+            <a:r>
+              <a:rPr lang="en-US" dirty="0">
+                <a:solidFill>
+                  <a:schemeClr val="bg1"/>
+                </a:solidFill>
+              </a:rPr>
+              <a:t>253,680 patients</a:t>
+            </a:r>
+          </a:p>
+          <a:p>
+            <a:pPr marL="342900" indent="-342900">
+              <a:buFont typeface="Arial" panose="020B0604020202020204" pitchFamily="34" charset="0"/>
+              <a:buChar char="•"/>
+            </a:pPr>
+            <a:r>
+              <a:rPr lang="en-US" dirty="0">
+                <a:solidFill>
+                  <a:schemeClr val="bg1"/>
+                </a:solidFill>
+              </a:rPr>
+              <a:t>21 features consist of some demographics, lab test results, and answers to survey questions</a:t>
+            </a:r>
+          </a:p>
+          <a:p>
+            <a:pPr marL="342900" indent="-342900">
+              <a:buFont typeface="Arial" panose="020B0604020202020204" pitchFamily="34" charset="0"/>
+              <a:buChar char="•"/>
+            </a:pPr>
+            <a:r>
+              <a:rPr lang="en-US" dirty="0">
+                <a:solidFill>
+                  <a:schemeClr val="bg1"/>
+                </a:solidFill>
+              </a:rPr>
+              <a:t>Target variable for classification is whether a patient has diabetes, is pre-diabetic, or healthy.</a:t>
+            </a:r>
+          </a:p>
+        </p:txBody>
+      </p:sp>
+    </p:spTree>
+    <p:extLst>
+      <p:ext uri="{BB962C8B-B14F-4D97-AF65-F5344CB8AC3E}">
+        <p14:creationId xmlns:p14="http://schemas.microsoft.com/office/powerpoint/2010/main" val="1548271687"/>
+      </p:ext>
+    </p:extLst>
+  </p:cSld>
+  <p:clrMapOvr>
+    <a:masterClrMapping/>
+  </p:clrMapOvr>
+</p:sld>
+</file>
+
+<file path=ppt/slides/slide9.xml><?xml version="1.0" encoding="utf-8"?>
 <p:sld xmlns:a="http://schemas.openxmlformats.org/drawingml/2006/main" xmlns:r="http://schemas.openxmlformats.org/officeDocument/2006/relationships" xmlns:p="http://schemas.openxmlformats.org/presentationml/2006/main">
   <p:cSld>
     <p:spTree>
@@ -10161,70 +13698,383 @@
       </p:grpSpPr>
       <p:sp>
         <p:nvSpPr>
-          <p:cNvPr id="11" name="Title 10">
-            <a:extLst>
-              <a:ext uri="{FF2B5EF4-FFF2-40B4-BE49-F238E27FC236}">
-                <a16:creationId xmlns:a16="http://schemas.microsoft.com/office/drawing/2014/main" id="{CCE595D9-27F3-FE1C-9A37-0F9F7903022E}"/>
-              </a:ext>
-            </a:extLst>
-          </p:cNvPr>
-          <p:cNvSpPr>
-            <a:spLocks noGrp="1"/>
-          </p:cNvSpPr>
-          <p:nvPr>
-            <p:ph type="ctrTitle"/>
-          </p:nvPr>
-        </p:nvSpPr>
-        <p:spPr/>
+          <p:cNvPr id="2" name="Title 1">
+            <a:extLst>
+              <a:ext uri="{FF2B5EF4-FFF2-40B4-BE49-F238E27FC236}">
+                <a16:creationId xmlns:a16="http://schemas.microsoft.com/office/drawing/2014/main" id="{8A5477B2-0B59-E54C-7CFF-9FA8EA82F137}"/>
+              </a:ext>
+            </a:extLst>
+          </p:cNvPr>
+          <p:cNvSpPr>
+            <a:spLocks noGrp="1"/>
+          </p:cNvSpPr>
+          <p:nvPr>
+            <p:ph type="title"/>
+          </p:nvPr>
+        </p:nvSpPr>
+        <p:spPr>
+          <a:xfrm>
+            <a:off x="811184" y="621973"/>
+            <a:ext cx="6723091" cy="961899"/>
+          </a:xfrm>
+        </p:spPr>
         <p:txBody>
           <a:bodyPr/>
           <a:lstStyle/>
           <a:p>
             <a:r>
-              <a:rPr lang="en-US" dirty="0"/>
-              <a:t>Thank you</a:t>
-            </a:r>
-          </a:p>
-        </p:txBody>
-      </p:sp>
-      <p:sp>
-        <p:nvSpPr>
-          <p:cNvPr id="3" name="Subtitle 2">
-            <a:extLst>
-              <a:ext uri="{FF2B5EF4-FFF2-40B4-BE49-F238E27FC236}">
-                <a16:creationId xmlns:a16="http://schemas.microsoft.com/office/drawing/2014/main" id="{8CFA4869-4108-EB15-4EB0-B65C291C5D97}"/>
-              </a:ext>
-            </a:extLst>
-          </p:cNvPr>
-          <p:cNvSpPr>
-            <a:spLocks noGrp="1"/>
-          </p:cNvSpPr>
-          <p:nvPr>
-            <p:ph type="subTitle" idx="1"/>
-          </p:nvPr>
-        </p:nvSpPr>
-        <p:spPr/>
+              <a:rPr lang="en-US" sz="4000" dirty="0"/>
+              <a:t>Capstone Presentation</a:t>
+            </a:r>
+            <a:br>
+              <a:rPr lang="en-US" sz="4000" dirty="0"/>
+            </a:br>
+            <a:r>
+              <a:rPr lang="en-US" sz="4000" dirty="0"/>
+              <a:t>Data Wrangling</a:t>
+            </a:r>
+            <a:endParaRPr lang="en-US" dirty="0"/>
+          </a:p>
+        </p:txBody>
+      </p:sp>
+      <p:sp>
+        <p:nvSpPr>
+          <p:cNvPr id="4" name="Text Placeholder 3">
+            <a:extLst>
+              <a:ext uri="{FF2B5EF4-FFF2-40B4-BE49-F238E27FC236}">
+                <a16:creationId xmlns:a16="http://schemas.microsoft.com/office/drawing/2014/main" id="{BDB7E0B9-B40D-1566-94D0-E58A0C92FD18}"/>
+              </a:ext>
+            </a:extLst>
+          </p:cNvPr>
+          <p:cNvSpPr>
+            <a:spLocks noGrp="1"/>
+          </p:cNvSpPr>
+          <p:nvPr>
+            <p:ph type="body" sz="quarter" idx="16"/>
+          </p:nvPr>
+        </p:nvSpPr>
+        <p:spPr>
+          <a:xfrm>
+            <a:off x="541491" y="2028826"/>
+            <a:ext cx="5983134" cy="3959020"/>
+          </a:xfrm>
+        </p:spPr>
         <p:txBody>
           <a:bodyPr/>
           <a:lstStyle/>
           <a:p>
             <a:r>
+              <a:rPr lang="en-US" dirty="0">
+                <a:solidFill>
+                  <a:schemeClr val="tx1"/>
+                </a:solidFill>
+                <a:highlight>
+                  <a:srgbClr val="D4DDFE"/>
+                </a:highlight>
+              </a:rPr>
+              <a:t># Check for NULL values</a:t>
+            </a:r>
+          </a:p>
+          <a:p>
+            <a:r>
+              <a:rPr lang="en-US" dirty="0" err="1">
+                <a:solidFill>
+                  <a:schemeClr val="tx1"/>
+                </a:solidFill>
+                <a:highlight>
+                  <a:srgbClr val="D4DDFE"/>
+                </a:highlight>
+              </a:rPr>
+              <a:t>merged_df.isnull</a:t>
+            </a:r>
+            <a:r>
+              <a:rPr lang="en-US" dirty="0">
+                <a:solidFill>
+                  <a:schemeClr val="tx1"/>
+                </a:solidFill>
+                <a:highlight>
+                  <a:srgbClr val="D4DDFE"/>
+                </a:highlight>
+              </a:rPr>
+              <a:t>().sum()</a:t>
+            </a:r>
+          </a:p>
+          <a:p>
+            <a:r>
+              <a:rPr lang="en-US" dirty="0" err="1"/>
+              <a:t>Diabetes_binary</a:t>
+            </a:r>
+            <a:r>
               <a:rPr lang="en-US" dirty="0"/>
-              <a:t>Ron Hankey</a:t>
-            </a:r>
-          </a:p>
-          <a:p>
+              <a:t>     0</a:t>
+            </a:r>
+          </a:p>
+          <a:p>
+            <a:r>
+              <a:rPr lang="en-US" dirty="0" err="1"/>
+              <a:t>HighBP</a:t>
+            </a:r>
             <a:r>
               <a:rPr lang="en-US" dirty="0"/>
-              <a:t>Hankey.Ronald@mayo.edu</a:t>
-            </a:r>
+              <a:t>                   0</a:t>
+            </a:r>
+          </a:p>
+          <a:p>
+            <a:r>
+              <a:rPr lang="en-US" dirty="0" err="1"/>
+              <a:t>HighChol</a:t>
+            </a:r>
+            <a:r>
+              <a:rPr lang="en-US" dirty="0"/>
+              <a:t>                0</a:t>
+            </a:r>
+          </a:p>
+          <a:p>
+            <a:r>
+              <a:rPr lang="en-US" dirty="0" err="1"/>
+              <a:t>CholCheck</a:t>
+            </a:r>
+            <a:r>
+              <a:rPr lang="en-US" dirty="0"/>
+              <a:t>             0</a:t>
+            </a:r>
+          </a:p>
+          <a:p>
+            <a:r>
+              <a:rPr lang="en-US" dirty="0"/>
+              <a:t>BMI                        0</a:t>
+            </a:r>
+          </a:p>
+          <a:p>
+            <a:r>
+              <a:rPr lang="en-US" dirty="0"/>
+              <a:t>Smoker                  0</a:t>
+            </a:r>
+          </a:p>
+          <a:p>
+            <a:r>
+              <a:rPr lang="en-US" dirty="0"/>
+              <a:t>Stroke                    0</a:t>
+            </a:r>
+          </a:p>
+          <a:p>
+            <a:r>
+              <a:rPr lang="en-US" dirty="0" err="1"/>
+              <a:t>HeartDiseaseorAttack</a:t>
+            </a:r>
+            <a:r>
+              <a:rPr lang="en-US" dirty="0"/>
+              <a:t>    0</a:t>
+            </a:r>
+          </a:p>
+          <a:p>
+            <a:r>
+              <a:rPr lang="en-US" dirty="0" err="1"/>
+              <a:t>PhysActivity</a:t>
+            </a:r>
+            <a:r>
+              <a:rPr lang="en-US" dirty="0"/>
+              <a:t>           0</a:t>
+            </a:r>
+          </a:p>
+          <a:p>
+            <a:r>
+              <a:rPr lang="en-US" dirty="0"/>
+              <a:t>Fruits                     0</a:t>
+            </a:r>
+          </a:p>
+          <a:p>
+            <a:r>
+              <a:rPr lang="en-US" dirty="0"/>
+              <a:t>Veggies                 0</a:t>
+            </a:r>
+          </a:p>
+        </p:txBody>
+      </p:sp>
+      <p:sp>
+        <p:nvSpPr>
+          <p:cNvPr id="6" name="Text Placeholder 5">
+            <a:extLst>
+              <a:ext uri="{FF2B5EF4-FFF2-40B4-BE49-F238E27FC236}">
+                <a16:creationId xmlns:a16="http://schemas.microsoft.com/office/drawing/2014/main" id="{4ACE12B0-836D-A9E0-E8DF-8B7BE910F645}"/>
+              </a:ext>
+            </a:extLst>
+          </p:cNvPr>
+          <p:cNvSpPr>
+            <a:spLocks noGrp="1"/>
+          </p:cNvSpPr>
+          <p:nvPr>
+            <p:ph type="body" sz="quarter" idx="24"/>
+          </p:nvPr>
+        </p:nvSpPr>
+        <p:spPr>
+          <a:xfrm>
+            <a:off x="6743700" y="2028826"/>
+            <a:ext cx="5124450" cy="3959020"/>
+          </a:xfrm>
+        </p:spPr>
+        <p:txBody>
+          <a:bodyPr/>
+          <a:lstStyle/>
+          <a:p>
+            <a:r>
+              <a:rPr lang="en-US" dirty="0" err="1"/>
+              <a:t>HvyAlcoholConsump</a:t>
+            </a:r>
+            <a:r>
+              <a:rPr lang="en-US" dirty="0"/>
+              <a:t>       0</a:t>
+            </a:r>
+          </a:p>
+          <a:p>
+            <a:r>
+              <a:rPr lang="en-US" dirty="0" err="1"/>
+              <a:t>AnyHealthcare</a:t>
+            </a:r>
+            <a:r>
+              <a:rPr lang="en-US" dirty="0"/>
+              <a:t>                 0</a:t>
+            </a:r>
+          </a:p>
+          <a:p>
+            <a:r>
+              <a:rPr lang="en-US" dirty="0" err="1"/>
+              <a:t>NoDocbcCost</a:t>
+            </a:r>
+            <a:r>
+              <a:rPr lang="en-US" dirty="0"/>
+              <a:t>                   0</a:t>
+            </a:r>
+          </a:p>
+          <a:p>
+            <a:r>
+              <a:rPr lang="en-US" dirty="0" err="1"/>
+              <a:t>GenHlth</a:t>
+            </a:r>
+            <a:r>
+              <a:rPr lang="en-US" dirty="0"/>
+              <a:t>                            0</a:t>
+            </a:r>
+          </a:p>
+          <a:p>
+            <a:r>
+              <a:rPr lang="en-US" dirty="0" err="1"/>
+              <a:t>MentHlth</a:t>
+            </a:r>
+            <a:r>
+              <a:rPr lang="en-US" dirty="0"/>
+              <a:t>                           0</a:t>
+            </a:r>
+          </a:p>
+          <a:p>
+            <a:r>
+              <a:rPr lang="en-US" dirty="0" err="1"/>
+              <a:t>PhysHlth</a:t>
+            </a:r>
+            <a:r>
+              <a:rPr lang="en-US" dirty="0"/>
+              <a:t>                           0</a:t>
+            </a:r>
+          </a:p>
+          <a:p>
+            <a:r>
+              <a:rPr lang="en-US" dirty="0" err="1"/>
+              <a:t>DiffWalk</a:t>
+            </a:r>
+            <a:r>
+              <a:rPr lang="en-US" dirty="0"/>
+              <a:t>                            0</a:t>
+            </a:r>
+          </a:p>
+          <a:p>
+            <a:r>
+              <a:rPr lang="en-US" dirty="0"/>
+              <a:t>Sex                                   0</a:t>
+            </a:r>
+          </a:p>
+          <a:p>
+            <a:r>
+              <a:rPr lang="en-US" dirty="0"/>
+              <a:t>Age                                   0</a:t>
+            </a:r>
+          </a:p>
+          <a:p>
+            <a:r>
+              <a:rPr lang="en-US" dirty="0"/>
+              <a:t>Education                          0</a:t>
+            </a:r>
+          </a:p>
+          <a:p>
+            <a:r>
+              <a:rPr lang="en-US" dirty="0"/>
+              <a:t>Income                              0</a:t>
+            </a:r>
+          </a:p>
+        </p:txBody>
+      </p:sp>
+      <p:sp>
+        <p:nvSpPr>
+          <p:cNvPr id="7" name="Footer Placeholder 6">
+            <a:extLst>
+              <a:ext uri="{FF2B5EF4-FFF2-40B4-BE49-F238E27FC236}">
+                <a16:creationId xmlns:a16="http://schemas.microsoft.com/office/drawing/2014/main" id="{E327B7F6-8D54-CE20-B7B6-5799C2B65C30}"/>
+              </a:ext>
+            </a:extLst>
+          </p:cNvPr>
+          <p:cNvSpPr>
+            <a:spLocks noGrp="1"/>
+          </p:cNvSpPr>
+          <p:nvPr>
+            <p:ph type="ftr" sz="quarter" idx="10"/>
+          </p:nvPr>
+        </p:nvSpPr>
+        <p:spPr/>
+        <p:txBody>
+          <a:bodyPr/>
+          <a:lstStyle/>
+          <a:p>
+            <a:r>
+              <a:rPr lang="en-US"/>
+              <a:t>PRESENTATION TITLE</a:t>
+            </a:r>
+            <a:endParaRPr lang="en-US" dirty="0"/>
+          </a:p>
+        </p:txBody>
+      </p:sp>
+      <p:sp>
+        <p:nvSpPr>
+          <p:cNvPr id="8" name="Slide Number Placeholder 7">
+            <a:extLst>
+              <a:ext uri="{FF2B5EF4-FFF2-40B4-BE49-F238E27FC236}">
+                <a16:creationId xmlns:a16="http://schemas.microsoft.com/office/drawing/2014/main" id="{903D5A8D-1DA0-8689-DE08-0DCE50EECEA7}"/>
+              </a:ext>
+            </a:extLst>
+          </p:cNvPr>
+          <p:cNvSpPr>
+            <a:spLocks noGrp="1"/>
+          </p:cNvSpPr>
+          <p:nvPr>
+            <p:ph type="sldNum" sz="quarter" idx="11"/>
+          </p:nvPr>
+        </p:nvSpPr>
+        <p:spPr/>
+        <p:txBody>
+          <a:bodyPr/>
+          <a:lstStyle/>
+          <a:p>
+            <a:fld id="{B5CEABB6-07DC-46E8-9B57-56EC44A396E5}" type="slidenum">
+              <a:rPr lang="en-US" smtClean="0"/>
+              <a:pPr/>
+              <a:t>9</a:t>
+            </a:fld>
+            <a:endParaRPr lang="en-US" dirty="0"/>
           </a:p>
         </p:txBody>
       </p:sp>
     </p:spTree>
     <p:extLst>
       <p:ext uri="{BB962C8B-B14F-4D97-AF65-F5344CB8AC3E}">
-        <p14:creationId xmlns:p14="http://schemas.microsoft.com/office/powerpoint/2010/main" val="3784505952"/>
+        <p14:creationId xmlns:p14="http://schemas.microsoft.com/office/powerpoint/2010/main" val="3012034546"/>
       </p:ext>
     </p:extLst>
   </p:cSld>
@@ -11026,35 +14876,6 @@
 </file>
 
 <file path=customXml/item1.xml><?xml version="1.0" encoding="utf-8"?>
-<p:properties xmlns:p="http://schemas.microsoft.com/office/2006/metadata/properties" xmlns:xsi="http://www.w3.org/2001/XMLSchema-instance" xmlns:pc="http://schemas.microsoft.com/office/infopath/2007/PartnerControls">
-  <documentManagement>
-    <_ip_UnifiedCompliancePolicyUIAction xmlns="http://schemas.microsoft.com/sharepoint/v3" xsi:nil="true"/>
-    <Image xmlns="71af3243-3dd4-4a8d-8c0d-dd76da1f02a5">
-      <Url xsi:nil="true"/>
-      <Description xsi:nil="true"/>
-    </Image>
-    <Status xmlns="71af3243-3dd4-4a8d-8c0d-dd76da1f02a5">Not started</Status>
-    <Background xmlns="71af3243-3dd4-4a8d-8c0d-dd76da1f02a5">false</Background>
-    <_ip_UnifiedCompliancePolicyProperties xmlns="http://schemas.microsoft.com/sharepoint/v3" xsi:nil="true"/>
-    <ImageTagsTaxHTField xmlns="71af3243-3dd4-4a8d-8c0d-dd76da1f02a5">
-      <Terms xmlns="http://schemas.microsoft.com/office/infopath/2007/PartnerControls"/>
-    </ImageTagsTaxHTField>
-    <TaxCatchAll xmlns="230e9df3-be65-4c73-a93b-d1236ebd677e" xsi:nil="true"/>
-    <MediaServiceKeyPoints xmlns="71af3243-3dd4-4a8d-8c0d-dd76da1f02a5" xsi:nil="true"/>
-  </documentManagement>
-</p:properties>
-</file>
-
-<file path=customXml/item2.xml><?xml version="1.0" encoding="utf-8"?>
-<?mso-contentType ?>
-<FormTemplates xmlns="http://schemas.microsoft.com/sharepoint/v3/contenttype/forms">
-  <Display>DocumentLibraryForm</Display>
-  <Edit>DocumentLibraryForm</Edit>
-  <New>DocumentLibraryForm</New>
-</FormTemplates>
-</file>
-
-<file path=customXml/item3.xml><?xml version="1.0" encoding="utf-8"?>
 <ct:contentTypeSchema xmlns:ct="http://schemas.microsoft.com/office/2006/metadata/contentType" xmlns:ma="http://schemas.microsoft.com/office/2006/metadata/properties/metaAttributes" ct:_="" ma:_="" ma:contentTypeName="Document" ma:contentTypeID="0x01010079F111ED35F8CC479449609E8A0923A6" ma:contentTypeVersion="24" ma:contentTypeDescription="Create a new document." ma:contentTypeScope="" ma:versionID="2d714a3296df14eba7a100bb665443ca">
   <xsd:schema xmlns:xsd="http://www.w3.org/2001/XMLSchema" xmlns:xs="http://www.w3.org/2001/XMLSchema" xmlns:p="http://schemas.microsoft.com/office/2006/metadata/properties" xmlns:ns1="http://schemas.microsoft.com/sharepoint/v3" xmlns:ns2="71af3243-3dd4-4a8d-8c0d-dd76da1f02a5" xmlns:ns3="16c05727-aa75-4e4a-9b5f-8a80a1165891" xmlns:ns4="230e9df3-be65-4c73-a93b-d1236ebd677e" targetNamespace="http://schemas.microsoft.com/office/2006/metadata/properties" ma:root="true" ma:fieldsID="49549bf45bfbbfb6cffed527380e77e1" ns1:_="" ns2:_="" ns3:_="" ns4:_="">
     <xsd:import namespace="http://schemas.microsoft.com/sharepoint/v3"/>
@@ -11342,27 +15163,36 @@
 </ct:contentTypeSchema>
 </file>
 
-<file path=customXml/itemProps1.xml><?xml version="1.0" encoding="utf-8"?>
-<ds:datastoreItem xmlns:ds="http://schemas.openxmlformats.org/officeDocument/2006/customXml" ds:itemID="{AF229B82-2C15-48C7-81C4-60933CA1C9E6}">
-  <ds:schemaRefs>
-    <ds:schemaRef ds:uri="http://schemas.microsoft.com/office/2006/metadata/properties"/>
-    <ds:schemaRef ds:uri="http://schemas.microsoft.com/office/infopath/2007/PartnerControls"/>
-    <ds:schemaRef ds:uri="http://schemas.microsoft.com/sharepoint/v3"/>
-    <ds:schemaRef ds:uri="71af3243-3dd4-4a8d-8c0d-dd76da1f02a5"/>
-    <ds:schemaRef ds:uri="230e9df3-be65-4c73-a93b-d1236ebd677e"/>
-  </ds:schemaRefs>
-</ds:datastoreItem>
+<file path=customXml/item2.xml><?xml version="1.0" encoding="utf-8"?>
+<?mso-contentType ?>
+<FormTemplates xmlns="http://schemas.microsoft.com/sharepoint/v3/contenttype/forms">
+  <Display>DocumentLibraryForm</Display>
+  <Edit>DocumentLibraryForm</Edit>
+  <New>DocumentLibraryForm</New>
+</FormTemplates>
 </file>
 
-<file path=customXml/itemProps2.xml><?xml version="1.0" encoding="utf-8"?>
-<ds:datastoreItem xmlns:ds="http://schemas.openxmlformats.org/officeDocument/2006/customXml" ds:itemID="{F37CE065-66B7-4F0E-946A-AB3C0E53962A}">
-  <ds:schemaRefs>
-    <ds:schemaRef ds:uri="http://schemas.microsoft.com/sharepoint/v3/contenttype/forms"/>
-  </ds:schemaRefs>
-</ds:datastoreItem>
+<file path=customXml/item3.xml><?xml version="1.0" encoding="utf-8"?>
+<p:properties xmlns:p="http://schemas.microsoft.com/office/2006/metadata/properties" xmlns:xsi="http://www.w3.org/2001/XMLSchema-instance" xmlns:pc="http://schemas.microsoft.com/office/infopath/2007/PartnerControls">
+  <documentManagement>
+    <_ip_UnifiedCompliancePolicyUIAction xmlns="http://schemas.microsoft.com/sharepoint/v3" xsi:nil="true"/>
+    <Image xmlns="71af3243-3dd4-4a8d-8c0d-dd76da1f02a5">
+      <Url xsi:nil="true"/>
+      <Description xsi:nil="true"/>
+    </Image>
+    <Status xmlns="71af3243-3dd4-4a8d-8c0d-dd76da1f02a5">Not started</Status>
+    <Background xmlns="71af3243-3dd4-4a8d-8c0d-dd76da1f02a5">false</Background>
+    <_ip_UnifiedCompliancePolicyProperties xmlns="http://schemas.microsoft.com/sharepoint/v3" xsi:nil="true"/>
+    <ImageTagsTaxHTField xmlns="71af3243-3dd4-4a8d-8c0d-dd76da1f02a5">
+      <Terms xmlns="http://schemas.microsoft.com/office/infopath/2007/PartnerControls"/>
+    </ImageTagsTaxHTField>
+    <TaxCatchAll xmlns="230e9df3-be65-4c73-a93b-d1236ebd677e" xsi:nil="true"/>
+    <MediaServiceKeyPoints xmlns="71af3243-3dd4-4a8d-8c0d-dd76da1f02a5" xsi:nil="true"/>
+  </documentManagement>
+</p:properties>
 </file>
 
-<file path=customXml/itemProps3.xml><?xml version="1.0" encoding="utf-8"?>
+<file path=customXml/itemProps1.xml><?xml version="1.0" encoding="utf-8"?>
 <ds:datastoreItem xmlns:ds="http://schemas.openxmlformats.org/officeDocument/2006/customXml" ds:itemID="{03775E1D-CEA1-47AF-BBAA-C0FEE5CAA533}">
   <ds:schemaRefs>
     <ds:schemaRef ds:uri="http://schemas.microsoft.com/office/2006/metadata/contentType"/>
@@ -11383,6 +15213,26 @@
 </ds:datastoreItem>
 </file>
 
+<file path=customXml/itemProps2.xml><?xml version="1.0" encoding="utf-8"?>
+<ds:datastoreItem xmlns:ds="http://schemas.openxmlformats.org/officeDocument/2006/customXml" ds:itemID="{F37CE065-66B7-4F0E-946A-AB3C0E53962A}">
+  <ds:schemaRefs>
+    <ds:schemaRef ds:uri="http://schemas.microsoft.com/sharepoint/v3/contenttype/forms"/>
+  </ds:schemaRefs>
+</ds:datastoreItem>
+</file>
+
+<file path=customXml/itemProps3.xml><?xml version="1.0" encoding="utf-8"?>
+<ds:datastoreItem xmlns:ds="http://schemas.openxmlformats.org/officeDocument/2006/customXml" ds:itemID="{AF229B82-2C15-48C7-81C4-60933CA1C9E6}">
+  <ds:schemaRefs>
+    <ds:schemaRef ds:uri="http://schemas.microsoft.com/office/2006/metadata/properties"/>
+    <ds:schemaRef ds:uri="http://schemas.microsoft.com/office/infopath/2007/PartnerControls"/>
+    <ds:schemaRef ds:uri="http://schemas.microsoft.com/sharepoint/v3"/>
+    <ds:schemaRef ds:uri="71af3243-3dd4-4a8d-8c0d-dd76da1f02a5"/>
+    <ds:schemaRef ds:uri="230e9df3-be65-4c73-a93b-d1236ebd677e"/>
+  </ds:schemaRefs>
+</ds:datastoreItem>
+</file>
+
 <file path=docMetadata/LabelInfo.xml><?xml version="1.0" encoding="utf-8"?>
 <clbl:labelList xmlns:clbl="http://schemas.microsoft.com/office/2020/mipLabelMetadata"/>
 </file>